--- a/PPT/REST API.pptx
+++ b/PPT/REST API.pptx
@@ -911,11 +911,11 @@
 </file>
 
 <file path=ppt/diagrams/colors2.xml><?xml version="1.0" encoding="utf-8"?>
-<dgm:colorsDef xmlns:dgm="http://schemas.openxmlformats.org/drawingml/2006/diagram" xmlns:a="http://schemas.openxmlformats.org/drawingml/2006/main" uniqueId="urn:microsoft.com/office/officeart/2005/8/colors/colorful2">
+<dgm:colorsDef xmlns:dgm="http://schemas.openxmlformats.org/drawingml/2006/diagram" xmlns:a="http://schemas.openxmlformats.org/drawingml/2006/main" uniqueId="urn:microsoft.com/office/officeart/2005/8/colors/colorful1">
   <dgm:title val=""/>
   <dgm:desc val=""/>
   <dgm:catLst>
-    <dgm:cat type="colorful" pri="10200"/>
+    <dgm:cat type="colorful" pri="10100"/>
   </dgm:catLst>
   <dgm:styleLbl name="node0">
     <dgm:fillClrLst meth="repeat">
@@ -930,9 +930,12 @@
     <dgm:txEffectClrLst/>
   </dgm:styleLbl>
   <dgm:styleLbl name="node1">
-    <dgm:fillClrLst>
+    <dgm:fillClrLst meth="repeat">
       <a:schemeClr val="accent2"/>
       <a:schemeClr val="accent3"/>
+      <a:schemeClr val="accent4"/>
+      <a:schemeClr val="accent5"/>
+      <a:schemeClr val="accent6"/>
     </dgm:fillClrLst>
     <dgm:linClrLst meth="repeat">
       <a:schemeClr val="lt1"/>
@@ -943,13 +946,19 @@
     <dgm:txEffectClrLst/>
   </dgm:styleLbl>
   <dgm:styleLbl name="alignNode1">
-    <dgm:fillClrLst>
+    <dgm:fillClrLst meth="repeat">
       <a:schemeClr val="accent2"/>
       <a:schemeClr val="accent3"/>
+      <a:schemeClr val="accent4"/>
+      <a:schemeClr val="accent5"/>
+      <a:schemeClr val="accent6"/>
     </dgm:fillClrLst>
-    <dgm:linClrLst>
+    <dgm:linClrLst meth="repeat">
       <a:schemeClr val="accent2"/>
       <a:schemeClr val="accent3"/>
+      <a:schemeClr val="accent4"/>
+      <a:schemeClr val="accent5"/>
+      <a:schemeClr val="accent6"/>
     </dgm:linClrLst>
     <dgm:effectClrLst/>
     <dgm:txLinClrLst/>
@@ -957,9 +966,12 @@
     <dgm:txEffectClrLst/>
   </dgm:styleLbl>
   <dgm:styleLbl name="lnNode1">
-    <dgm:fillClrLst>
+    <dgm:fillClrLst meth="repeat">
       <a:schemeClr val="accent2"/>
       <a:schemeClr val="accent3"/>
+      <a:schemeClr val="accent4"/>
+      <a:schemeClr val="accent5"/>
+      <a:schemeClr val="accent6"/>
     </dgm:fillClrLst>
     <dgm:linClrLst meth="repeat">
       <a:schemeClr val="lt1"/>
@@ -970,11 +982,20 @@
     <dgm:txEffectClrLst/>
   </dgm:styleLbl>
   <dgm:styleLbl name="vennNode1">
-    <dgm:fillClrLst>
+    <dgm:fillClrLst meth="repeat">
       <a:schemeClr val="accent2">
         <a:alpha val="50000"/>
       </a:schemeClr>
       <a:schemeClr val="accent3">
+        <a:alpha val="50000"/>
+      </a:schemeClr>
+      <a:schemeClr val="accent4">
+        <a:alpha val="50000"/>
+      </a:schemeClr>
+      <a:schemeClr val="accent5">
+        <a:alpha val="50000"/>
+      </a:schemeClr>
+      <a:schemeClr val="accent6">
         <a:alpha val="50000"/>
       </a:schemeClr>
     </dgm:fillClrLst>
@@ -988,6 +1009,18 @@
   </dgm:styleLbl>
   <dgm:styleLbl name="node2">
     <dgm:fillClrLst>
+      <a:schemeClr val="accent2"/>
+    </dgm:fillClrLst>
+    <dgm:linClrLst meth="repeat">
+      <a:schemeClr val="lt1"/>
+    </dgm:linClrLst>
+    <dgm:effectClrLst/>
+    <dgm:txLinClrLst/>
+    <dgm:txFillClrLst/>
+    <dgm:txEffectClrLst/>
+  </dgm:styleLbl>
+  <dgm:styleLbl name="node3">
+    <dgm:fillClrLst>
       <a:schemeClr val="accent3"/>
     </dgm:fillClrLst>
     <dgm:linClrLst meth="repeat">
@@ -998,7 +1031,7 @@
     <dgm:txFillClrLst/>
     <dgm:txEffectClrLst/>
   </dgm:styleLbl>
-  <dgm:styleLbl name="node3">
+  <dgm:styleLbl name="node4">
     <dgm:fillClrLst>
       <a:schemeClr val="accent4"/>
     </dgm:fillClrLst>
@@ -1010,24 +1043,21 @@
     <dgm:txFillClrLst/>
     <dgm:txEffectClrLst/>
   </dgm:styleLbl>
-  <dgm:styleLbl name="node4">
-    <dgm:fillClrLst>
-      <a:schemeClr val="accent5"/>
-    </dgm:fillClrLst>
-    <dgm:linClrLst meth="repeat">
-      <a:schemeClr val="lt1"/>
-    </dgm:linClrLst>
-    <dgm:effectClrLst/>
-    <dgm:txLinClrLst/>
-    <dgm:txFillClrLst/>
-    <dgm:txEffectClrLst/>
-  </dgm:styleLbl>
   <dgm:styleLbl name="fgImgPlace1">
-    <dgm:fillClrLst>
+    <dgm:fillClrLst meth="repeat">
       <a:schemeClr val="accent2">
         <a:tint val="50000"/>
       </a:schemeClr>
       <a:schemeClr val="accent3">
+        <a:tint val="50000"/>
+      </a:schemeClr>
+      <a:schemeClr val="accent4">
+        <a:tint val="50000"/>
+      </a:schemeClr>
+      <a:schemeClr val="accent5">
+        <a:tint val="50000"/>
+      </a:schemeClr>
+      <a:schemeClr val="accent6">
         <a:tint val="50000"/>
       </a:schemeClr>
     </dgm:fillClrLst>
@@ -1043,10 +1073,10 @@
   </dgm:styleLbl>
   <dgm:styleLbl name="alignImgPlace1">
     <dgm:fillClrLst>
-      <a:schemeClr val="accent2">
+      <a:schemeClr val="accent1">
         <a:tint val="50000"/>
       </a:schemeClr>
-      <a:schemeClr val="accent3">
+      <a:schemeClr val="accent2">
         <a:tint val="20000"/>
       </a:schemeClr>
     </dgm:fillClrLst>
@@ -1062,10 +1092,10 @@
   </dgm:styleLbl>
   <dgm:styleLbl name="bgImgPlace1">
     <dgm:fillClrLst>
-      <a:schemeClr val="accent2">
+      <a:schemeClr val="accent1">
         <a:tint val="50000"/>
       </a:schemeClr>
-      <a:schemeClr val="accent3">
+      <a:schemeClr val="accent2">
         <a:tint val="20000"/>
       </a:schemeClr>
     </dgm:fillClrLst>
@@ -1080,11 +1110,14 @@
     <dgm:txEffectClrLst/>
   </dgm:styleLbl>
   <dgm:styleLbl name="sibTrans2D1">
-    <dgm:fillClrLst>
+    <dgm:fillClrLst meth="repeat">
       <a:schemeClr val="accent2"/>
       <a:schemeClr val="accent3"/>
+      <a:schemeClr val="accent4"/>
+      <a:schemeClr val="accent5"/>
+      <a:schemeClr val="accent6"/>
     </dgm:fillClrLst>
-    <dgm:linClrLst meth="repeat">
+    <dgm:linClrLst meth="cycle">
       <a:schemeClr val="lt1"/>
     </dgm:linClrLst>
     <dgm:effectClrLst/>
@@ -1093,11 +1126,14 @@
     <dgm:txEffectClrLst/>
   </dgm:styleLbl>
   <dgm:styleLbl name="fgSibTrans2D1">
-    <dgm:fillClrLst>
+    <dgm:fillClrLst meth="repeat">
       <a:schemeClr val="accent2"/>
       <a:schemeClr val="accent3"/>
+      <a:schemeClr val="accent4"/>
+      <a:schemeClr val="accent5"/>
+      <a:schemeClr val="accent6"/>
     </dgm:fillClrLst>
-    <dgm:linClrLst meth="repeat">
+    <dgm:linClrLst meth="cycle">
       <a:schemeClr val="lt1"/>
     </dgm:linClrLst>
     <dgm:effectClrLst/>
@@ -1108,11 +1144,14 @@
     <dgm:txEffectClrLst/>
   </dgm:styleLbl>
   <dgm:styleLbl name="bgSibTrans2D1">
-    <dgm:fillClrLst>
+    <dgm:fillClrLst meth="repeat">
       <a:schemeClr val="accent2"/>
       <a:schemeClr val="accent3"/>
+      <a:schemeClr val="accent4"/>
+      <a:schemeClr val="accent5"/>
+      <a:schemeClr val="accent6"/>
     </dgm:fillClrLst>
-    <dgm:linClrLst meth="repeat">
+    <dgm:linClrLst meth="cycle">
       <a:schemeClr val="lt1"/>
     </dgm:linClrLst>
     <dgm:effectClrLst/>
@@ -1123,10 +1162,19 @@
     <dgm:txEffectClrLst/>
   </dgm:styleLbl>
   <dgm:styleLbl name="sibTrans1D1">
-    <dgm:fillClrLst/>
-    <dgm:linClrLst>
+    <dgm:fillClrLst meth="repeat">
       <a:schemeClr val="accent2"/>
       <a:schemeClr val="accent3"/>
+      <a:schemeClr val="accent4"/>
+      <a:schemeClr val="accent5"/>
+      <a:schemeClr val="accent6"/>
+    </dgm:fillClrLst>
+    <dgm:linClrLst meth="repeat">
+      <a:schemeClr val="accent2"/>
+      <a:schemeClr val="accent3"/>
+      <a:schemeClr val="accent4"/>
+      <a:schemeClr val="accent5"/>
+      <a:schemeClr val="accent6"/>
     </dgm:linClrLst>
     <dgm:effectClrLst/>
     <dgm:txLinClrLst/>
@@ -1153,12 +1201,10 @@
   </dgm:styleLbl>
   <dgm:styleLbl name="asst0">
     <dgm:fillClrLst meth="repeat">
-      <a:schemeClr val="accent2"/>
+      <a:schemeClr val="accent1"/>
     </dgm:fillClrLst>
     <dgm:linClrLst meth="repeat">
-      <a:schemeClr val="lt1">
-        <a:shade val="80000"/>
-      </a:schemeClr>
+      <a:schemeClr val="lt1"/>
     </dgm:linClrLst>
     <dgm:effectClrLst/>
     <dgm:txLinClrLst/>
@@ -1167,12 +1213,10 @@
   </dgm:styleLbl>
   <dgm:styleLbl name="asst1">
     <dgm:fillClrLst meth="repeat">
-      <a:schemeClr val="accent3"/>
+      <a:schemeClr val="accent2"/>
     </dgm:fillClrLst>
     <dgm:linClrLst meth="repeat">
-      <a:schemeClr val="lt1">
-        <a:shade val="80000"/>
-      </a:schemeClr>
+      <a:schemeClr val="lt1"/>
     </dgm:linClrLst>
     <dgm:effectClrLst/>
     <dgm:txLinClrLst/>
@@ -1180,6 +1224,18 @@
     <dgm:txEffectClrLst/>
   </dgm:styleLbl>
   <dgm:styleLbl name="asst2">
+    <dgm:fillClrLst>
+      <a:schemeClr val="accent3"/>
+    </dgm:fillClrLst>
+    <dgm:linClrLst meth="repeat">
+      <a:schemeClr val="lt1"/>
+    </dgm:linClrLst>
+    <dgm:effectClrLst/>
+    <dgm:txLinClrLst/>
+    <dgm:txFillClrLst/>
+    <dgm:txEffectClrLst/>
+  </dgm:styleLbl>
+  <dgm:styleLbl name="asst3">
     <dgm:fillClrLst>
       <a:schemeClr val="accent4"/>
     </dgm:fillClrLst>
@@ -1191,21 +1247,9 @@
     <dgm:txFillClrLst/>
     <dgm:txEffectClrLst/>
   </dgm:styleLbl>
-  <dgm:styleLbl name="asst3">
+  <dgm:styleLbl name="asst4">
     <dgm:fillClrLst>
       <a:schemeClr val="accent5"/>
-    </dgm:fillClrLst>
-    <dgm:linClrLst meth="repeat">
-      <a:schemeClr val="lt1"/>
-    </dgm:linClrLst>
-    <dgm:effectClrLst/>
-    <dgm:txLinClrLst/>
-    <dgm:txFillClrLst/>
-    <dgm:txEffectClrLst/>
-  </dgm:styleLbl>
-  <dgm:styleLbl name="asst4">
-    <dgm:fillClrLst>
-      <a:schemeClr val="accent6"/>
     </dgm:fillClrLst>
     <dgm:linClrLst meth="repeat">
       <a:schemeClr val="lt1"/>
@@ -1272,6 +1316,22 @@
       <a:schemeClr val="accent2"/>
     </dgm:fillClrLst>
     <dgm:linClrLst meth="repeat">
+      <a:schemeClr val="accent1"/>
+    </dgm:linClrLst>
+    <dgm:effectClrLst/>
+    <dgm:txLinClrLst/>
+    <dgm:txFillClrLst meth="repeat">
+      <a:schemeClr val="tx1"/>
+    </dgm:txFillClrLst>
+    <dgm:txEffectClrLst/>
+  </dgm:styleLbl>
+  <dgm:styleLbl name="parChTrans1D2">
+    <dgm:fillClrLst meth="repeat">
+      <a:schemeClr val="accent3">
+        <a:tint val="90000"/>
+      </a:schemeClr>
+    </dgm:fillClrLst>
+    <dgm:linClrLst meth="repeat">
       <a:schemeClr val="accent2"/>
     </dgm:linClrLst>
     <dgm:effectClrLst/>
@@ -1281,10 +1341,10 @@
     </dgm:txFillClrLst>
     <dgm:txEffectClrLst/>
   </dgm:styleLbl>
-  <dgm:styleLbl name="parChTrans1D2">
+  <dgm:styleLbl name="parChTrans1D3">
     <dgm:fillClrLst meth="repeat">
-      <a:schemeClr val="accent2">
-        <a:tint val="90000"/>
+      <a:schemeClr val="accent4">
+        <a:tint val="70000"/>
       </a:schemeClr>
     </dgm:fillClrLst>
     <dgm:linClrLst meth="repeat">
@@ -1297,10 +1357,10 @@
     </dgm:txFillClrLst>
     <dgm:txEffectClrLst/>
   </dgm:styleLbl>
-  <dgm:styleLbl name="parChTrans1D3">
+  <dgm:styleLbl name="parChTrans1D4">
     <dgm:fillClrLst meth="repeat">
-      <a:schemeClr val="accent2">
-        <a:tint val="70000"/>
+      <a:schemeClr val="accent5">
+        <a:tint val="50000"/>
       </a:schemeClr>
     </dgm:fillClrLst>
     <dgm:linClrLst meth="repeat">
@@ -1313,31 +1373,18 @@
     </dgm:txFillClrLst>
     <dgm:txEffectClrLst/>
   </dgm:styleLbl>
-  <dgm:styleLbl name="parChTrans1D4">
-    <dgm:fillClrLst meth="repeat">
-      <a:schemeClr val="accent2">
-        <a:tint val="50000"/>
-      </a:schemeClr>
-    </dgm:fillClrLst>
-    <dgm:linClrLst meth="repeat">
-      <a:schemeClr val="accent5"/>
-    </dgm:linClrLst>
-    <dgm:effectClrLst/>
-    <dgm:txLinClrLst/>
-    <dgm:txFillClrLst meth="repeat">
-      <a:schemeClr val="tx1"/>
-    </dgm:txFillClrLst>
-    <dgm:txEffectClrLst/>
-  </dgm:styleLbl>
   <dgm:styleLbl name="fgAcc1">
     <dgm:fillClrLst meth="repeat">
       <a:schemeClr val="lt1">
         <a:alpha val="90000"/>
       </a:schemeClr>
     </dgm:fillClrLst>
-    <dgm:linClrLst>
+    <dgm:linClrLst meth="repeat">
       <a:schemeClr val="accent2"/>
       <a:schemeClr val="accent3"/>
+      <a:schemeClr val="accent4"/>
+      <a:schemeClr val="accent5"/>
+      <a:schemeClr val="accent6"/>
     </dgm:linClrLst>
     <dgm:effectClrLst/>
     <dgm:txLinClrLst/>
@@ -1352,9 +1399,12 @@
         <a:alpha val="90000"/>
       </a:schemeClr>
     </dgm:fillClrLst>
-    <dgm:linClrLst>
+    <dgm:linClrLst meth="repeat">
       <a:schemeClr val="accent2"/>
       <a:schemeClr val="accent3"/>
+      <a:schemeClr val="accent4"/>
+      <a:schemeClr val="accent5"/>
+      <a:schemeClr val="accent6"/>
     </dgm:linClrLst>
     <dgm:effectClrLst/>
     <dgm:txLinClrLst/>
@@ -1369,9 +1419,12 @@
         <a:alpha val="90000"/>
       </a:schemeClr>
     </dgm:fillClrLst>
-    <dgm:linClrLst>
+    <dgm:linClrLst meth="repeat">
       <a:schemeClr val="accent2"/>
       <a:schemeClr val="accent3"/>
+      <a:schemeClr val="accent4"/>
+      <a:schemeClr val="accent5"/>
+      <a:schemeClr val="accent6"/>
     </dgm:linClrLst>
     <dgm:effectClrLst/>
     <dgm:txLinClrLst/>
@@ -1387,7 +1440,7 @@
       </a:schemeClr>
     </dgm:fillClrLst>
     <dgm:linClrLst meth="repeat">
-      <a:schemeClr val="accent2"/>
+      <a:schemeClr val="accent1"/>
     </dgm:linClrLst>
     <dgm:effectClrLst/>
     <dgm:txLinClrLst/>
@@ -1402,9 +1455,12 @@
         <a:alpha val="90000"/>
       </a:schemeClr>
     </dgm:fillClrLst>
-    <dgm:linClrLst>
+    <dgm:linClrLst meth="repeat">
       <a:schemeClr val="accent2"/>
       <a:schemeClr val="accent3"/>
+      <a:schemeClr val="accent4"/>
+      <a:schemeClr val="accent5"/>
+      <a:schemeClr val="accent6"/>
     </dgm:linClrLst>
     <dgm:effectClrLst/>
     <dgm:txLinClrLst/>
@@ -1417,9 +1473,12 @@
     <dgm:fillClrLst meth="repeat">
       <a:schemeClr val="lt1"/>
     </dgm:fillClrLst>
-    <dgm:linClrLst>
+    <dgm:linClrLst meth="repeat">
       <a:schemeClr val="accent2"/>
       <a:schemeClr val="accent3"/>
+      <a:schemeClr val="accent4"/>
+      <a:schemeClr val="accent5"/>
+      <a:schemeClr val="accent6"/>
     </dgm:linClrLst>
     <dgm:effectClrLst/>
     <dgm:txLinClrLst/>
@@ -1432,9 +1491,12 @@
     <dgm:fillClrLst meth="repeat">
       <a:schemeClr val="lt1"/>
     </dgm:fillClrLst>
-    <dgm:linClrLst>
+    <dgm:linClrLst meth="repeat">
       <a:schemeClr val="accent2"/>
       <a:schemeClr val="accent3"/>
+      <a:schemeClr val="accent4"/>
+      <a:schemeClr val="accent5"/>
+      <a:schemeClr val="accent6"/>
     </dgm:linClrLst>
     <dgm:effectClrLst/>
     <dgm:txLinClrLst/>
@@ -1447,9 +1509,12 @@
     <dgm:fillClrLst meth="repeat">
       <a:schemeClr val="lt1"/>
     </dgm:fillClrLst>
-    <dgm:linClrLst>
+    <dgm:linClrLst meth="repeat">
       <a:schemeClr val="accent2"/>
       <a:schemeClr val="accent3"/>
+      <a:schemeClr val="accent4"/>
+      <a:schemeClr val="accent5"/>
+      <a:schemeClr val="accent6"/>
     </dgm:linClrLst>
     <dgm:effectClrLst/>
     <dgm:txLinClrLst/>
@@ -1459,7 +1524,7 @@
     <dgm:txEffectClrLst/>
   </dgm:styleLbl>
   <dgm:styleLbl name="fgAccFollowNode1">
-    <dgm:fillClrLst>
+    <dgm:fillClrLst meth="repeat">
       <a:schemeClr val="accent2">
         <a:tint val="40000"/>
         <a:alpha val="90000"/>
@@ -1468,13 +1533,37 @@
         <a:tint val="40000"/>
         <a:alpha val="90000"/>
       </a:schemeClr>
+      <a:schemeClr val="accent4">
+        <a:tint val="40000"/>
+        <a:alpha val="90000"/>
+      </a:schemeClr>
+      <a:schemeClr val="accent5">
+        <a:tint val="40000"/>
+        <a:alpha val="90000"/>
+      </a:schemeClr>
+      <a:schemeClr val="accent6">
+        <a:tint val="40000"/>
+        <a:alpha val="90000"/>
+      </a:schemeClr>
     </dgm:fillClrLst>
-    <dgm:linClrLst>
+    <dgm:linClrLst meth="repeat">
       <a:schemeClr val="accent2">
         <a:tint val="40000"/>
         <a:alpha val="90000"/>
       </a:schemeClr>
       <a:schemeClr val="accent3">
+        <a:tint val="40000"/>
+        <a:alpha val="90000"/>
+      </a:schemeClr>
+      <a:schemeClr val="accent4">
+        <a:tint val="40000"/>
+        <a:alpha val="90000"/>
+      </a:schemeClr>
+      <a:schemeClr val="accent5">
+        <a:tint val="40000"/>
+        <a:alpha val="90000"/>
+      </a:schemeClr>
+      <a:schemeClr val="accent6">
         <a:tint val="40000"/>
         <a:alpha val="90000"/>
       </a:schemeClr>
@@ -1487,7 +1576,7 @@
     <dgm:txEffectClrLst/>
   </dgm:styleLbl>
   <dgm:styleLbl name="alignAccFollowNode1">
-    <dgm:fillClrLst>
+    <dgm:fillClrLst meth="repeat">
       <a:schemeClr val="accent2">
         <a:tint val="40000"/>
         <a:alpha val="90000"/>
@@ -1496,13 +1585,37 @@
         <a:tint val="40000"/>
         <a:alpha val="90000"/>
       </a:schemeClr>
+      <a:schemeClr val="accent4">
+        <a:tint val="40000"/>
+        <a:alpha val="90000"/>
+      </a:schemeClr>
+      <a:schemeClr val="accent5">
+        <a:tint val="40000"/>
+        <a:alpha val="90000"/>
+      </a:schemeClr>
+      <a:schemeClr val="accent6">
+        <a:tint val="40000"/>
+        <a:alpha val="90000"/>
+      </a:schemeClr>
     </dgm:fillClrLst>
-    <dgm:linClrLst>
+    <dgm:linClrLst meth="repeat">
       <a:schemeClr val="accent2">
         <a:tint val="40000"/>
         <a:alpha val="90000"/>
       </a:schemeClr>
       <a:schemeClr val="accent3">
+        <a:tint val="40000"/>
+        <a:alpha val="90000"/>
+      </a:schemeClr>
+      <a:schemeClr val="accent4">
+        <a:tint val="40000"/>
+        <a:alpha val="90000"/>
+      </a:schemeClr>
+      <a:schemeClr val="accent5">
+        <a:tint val="40000"/>
+        <a:alpha val="90000"/>
+      </a:schemeClr>
+      <a:schemeClr val="accent6">
         <a:tint val="40000"/>
         <a:alpha val="90000"/>
       </a:schemeClr>
@@ -1515,7 +1628,7 @@
     <dgm:txEffectClrLst/>
   </dgm:styleLbl>
   <dgm:styleLbl name="bgAccFollowNode1">
-    <dgm:fillClrLst>
+    <dgm:fillClrLst meth="repeat">
       <a:schemeClr val="accent2">
         <a:tint val="40000"/>
         <a:alpha val="90000"/>
@@ -1524,13 +1637,37 @@
         <a:tint val="40000"/>
         <a:alpha val="90000"/>
       </a:schemeClr>
+      <a:schemeClr val="accent4">
+        <a:tint val="40000"/>
+        <a:alpha val="90000"/>
+      </a:schemeClr>
+      <a:schemeClr val="accent5">
+        <a:tint val="40000"/>
+        <a:alpha val="90000"/>
+      </a:schemeClr>
+      <a:schemeClr val="accent6">
+        <a:tint val="40000"/>
+        <a:alpha val="90000"/>
+      </a:schemeClr>
     </dgm:fillClrLst>
-    <dgm:linClrLst>
+    <dgm:linClrLst meth="repeat">
       <a:schemeClr val="accent2">
         <a:tint val="40000"/>
         <a:alpha val="90000"/>
       </a:schemeClr>
       <a:schemeClr val="accent3">
+        <a:tint val="40000"/>
+        <a:alpha val="90000"/>
+      </a:schemeClr>
+      <a:schemeClr val="accent4">
+        <a:tint val="40000"/>
+        <a:alpha val="90000"/>
+      </a:schemeClr>
+      <a:schemeClr val="accent5">
+        <a:tint val="40000"/>
+        <a:alpha val="90000"/>
+      </a:schemeClr>
+      <a:schemeClr val="accent6">
         <a:tint val="40000"/>
         <a:alpha val="90000"/>
       </a:schemeClr>
@@ -1565,6 +1702,22 @@
       </a:schemeClr>
     </dgm:fillClrLst>
     <dgm:linClrLst>
+      <a:schemeClr val="accent2"/>
+    </dgm:linClrLst>
+    <dgm:effectClrLst/>
+    <dgm:txLinClrLst/>
+    <dgm:txFillClrLst meth="repeat">
+      <a:schemeClr val="dk1"/>
+    </dgm:txFillClrLst>
+    <dgm:txEffectClrLst/>
+  </dgm:styleLbl>
+  <dgm:styleLbl name="fgAcc3">
+    <dgm:fillClrLst meth="repeat">
+      <a:schemeClr val="lt1">
+        <a:alpha val="90000"/>
+      </a:schemeClr>
+    </dgm:fillClrLst>
+    <dgm:linClrLst>
       <a:schemeClr val="accent3"/>
     </dgm:linClrLst>
     <dgm:effectClrLst/>
@@ -1574,7 +1727,7 @@
     </dgm:txFillClrLst>
     <dgm:txEffectClrLst/>
   </dgm:styleLbl>
-  <dgm:styleLbl name="fgAcc3">
+  <dgm:styleLbl name="fgAcc4">
     <dgm:fillClrLst meth="repeat">
       <a:schemeClr val="lt1">
         <a:alpha val="90000"/>
@@ -1582,22 +1735,6 @@
     </dgm:fillClrLst>
     <dgm:linClrLst>
       <a:schemeClr val="accent4"/>
-    </dgm:linClrLst>
-    <dgm:effectClrLst/>
-    <dgm:txLinClrLst/>
-    <dgm:txFillClrLst meth="repeat">
-      <a:schemeClr val="dk1"/>
-    </dgm:txFillClrLst>
-    <dgm:txEffectClrLst/>
-  </dgm:styleLbl>
-  <dgm:styleLbl name="fgAcc4">
-    <dgm:fillClrLst meth="repeat">
-      <a:schemeClr val="lt1">
-        <a:alpha val="90000"/>
-      </a:schemeClr>
-    </dgm:fillClrLst>
-    <dgm:linClrLst>
-      <a:schemeClr val="accent5"/>
     </dgm:linClrLst>
     <dgm:effectClrLst/>
     <dgm:txLinClrLst/>
@@ -1640,7 +1777,7 @@
   </dgm:styleLbl>
   <dgm:styleLbl name="trBgShp">
     <dgm:fillClrLst meth="repeat">
-      <a:schemeClr val="accent2">
+      <a:schemeClr val="accent1">
         <a:tint val="50000"/>
         <a:alpha val="40000"/>
       </a:schemeClr>
@@ -2670,14 +2807,14 @@
         <a:lstStyle/>
         <a:p>
           <a:r>
-            <a:rPr lang="hu-HU" b="1"/>
+            <a:rPr lang="hu-HU" b="1" dirty="0" err="1"/>
             <a:t>userId</a:t>
           </a:r>
           <a:r>
-            <a:rPr lang="hu-HU"/>
+            <a:rPr lang="hu-HU" dirty="0"/>
             <a:t> – A szerző azonosítója (kapcsolódik egy másik felhasználói listához)</a:t>
           </a:r>
-          <a:endParaRPr lang="en-US"/>
+          <a:endParaRPr lang="en-US" dirty="0"/>
         </a:p>
       </dgm:t>
     </dgm:pt>
@@ -2986,8 +3123,8 @@
 <file path=ppt/diagrams/data2.xml><?xml version="1.0" encoding="utf-8"?>
 <dgm:dataModel xmlns:dgm="http://schemas.openxmlformats.org/drawingml/2006/diagram" xmlns:a="http://schemas.openxmlformats.org/drawingml/2006/main">
   <dgm:ptLst>
-    <dgm:pt modelId="{815EBFBE-D536-442D-80AC-CC5D83EC3EE3}" type="doc">
-      <dgm:prSet loTypeId="urn:microsoft.com/office/officeart/2005/8/layout/hierarchy1" loCatId="hierarchy" qsTypeId="urn:microsoft.com/office/officeart/2005/8/quickstyle/simple1" qsCatId="simple" csTypeId="urn:microsoft.com/office/officeart/2005/8/colors/colorful2" csCatId="colorful"/>
+    <dgm:pt modelId="{295463B7-3510-4687-8731-7DD840167DE4}" type="doc">
+      <dgm:prSet loTypeId="urn:microsoft.com/office/officeart/2005/8/layout/process4" loCatId="process" qsTypeId="urn:microsoft.com/office/officeart/2005/8/quickstyle/simple1" qsCatId="simple" csTypeId="urn:microsoft.com/office/officeart/2005/8/colors/colorful1" csCatId="colorful"/>
       <dgm:spPr/>
       <dgm:t>
         <a:bodyPr/>
@@ -2997,30 +3134,46 @@
         </a:p>
       </dgm:t>
     </dgm:pt>
-    <dgm:pt modelId="{829F840C-2C78-476B-9DC3-D622D66CFF88}">
-      <dgm:prSet/>
+    <dgm:pt modelId="{DFB3C5AF-1A3E-4C3D-AECC-0251FDE4B1F6}">
+      <dgm:prSet custT="1"/>
       <dgm:spPr/>
       <dgm:t>
         <a:bodyPr/>
         <a:lstStyle/>
         <a:p>
           <a:r>
-            <a:rPr lang="hu-HU" b="0" i="0" baseline="0"/>
-            <a:t>Egy user több post-ot írhat → </a:t>
+            <a:rPr lang="hu-HU" sz="2200" b="0" i="0" baseline="0" dirty="0"/>
+            <a:t>Egy felhasználó több bejegyzést is írhat → </a:t>
           </a:r>
           <a:r>
-            <a:rPr lang="hu-HU" b="1" i="0" baseline="0"/>
+            <a:rPr lang="hu-HU" sz="2200" b="1" i="0" baseline="0" dirty="0"/>
             <a:t>1:N kapcsolat</a:t>
           </a:r>
           <a:r>
-            <a:rPr lang="hu-HU" b="0" i="0" baseline="0"/>
-            <a:t> a users és posts tábla között.</a:t>
+            <a:rPr lang="hu-HU" sz="2200" b="0" i="0" baseline="0" dirty="0"/>
+            <a:t> a </a:t>
           </a:r>
-          <a:endParaRPr lang="en-US"/>
+          <a:r>
+            <a:rPr lang="hu-HU" sz="2200" b="0" i="0" baseline="0" dirty="0" err="1"/>
+            <a:t>users</a:t>
+          </a:r>
+          <a:r>
+            <a:rPr lang="hu-HU" sz="2200" b="0" i="0" baseline="0" dirty="0"/>
+            <a:t> és </a:t>
+          </a:r>
+          <a:r>
+            <a:rPr lang="hu-HU" sz="2200" b="0" i="0" baseline="0" dirty="0" err="1"/>
+            <a:t>posts</a:t>
+          </a:r>
+          <a:r>
+            <a:rPr lang="hu-HU" sz="2200" b="0" i="0" baseline="0" dirty="0"/>
+            <a:t> táblák között.</a:t>
+          </a:r>
+          <a:endParaRPr lang="en-US" sz="2200" dirty="0"/>
         </a:p>
       </dgm:t>
     </dgm:pt>
-    <dgm:pt modelId="{78AB7E7F-A98A-4295-82D0-F861A9FA724C}" type="parTrans" cxnId="{6EF45E77-5F9E-434A-B386-4AE6257F8279}">
+    <dgm:pt modelId="{89B1DC6E-A984-45D0-AF02-0067ED916576}" type="parTrans" cxnId="{1DE4363C-CDB5-4F70-9849-2D8DFE963ED1}">
       <dgm:prSet/>
       <dgm:spPr/>
       <dgm:t>
@@ -3031,7 +3184,7 @@
         </a:p>
       </dgm:t>
     </dgm:pt>
-    <dgm:pt modelId="{57129B51-606E-409D-A49C-FBA9568FCE19}" type="sibTrans" cxnId="{6EF45E77-5F9E-434A-B386-4AE6257F8279}">
+    <dgm:pt modelId="{E0A881C3-8A0D-48C4-8ACC-8978A3BE0E1E}" type="sibTrans" cxnId="{1DE4363C-CDB5-4F70-9849-2D8DFE963ED1}">
       <dgm:prSet/>
       <dgm:spPr/>
       <dgm:t>
@@ -3042,30 +3195,61 @@
         </a:p>
       </dgm:t>
     </dgm:pt>
-    <dgm:pt modelId="{4916FF8E-E14A-413D-9A45-5AC260617558}">
-      <dgm:prSet/>
+    <dgm:pt modelId="{BA3C6AF5-37BF-458C-9D9D-FEA98A472DD0}">
+      <dgm:prSet custT="1"/>
       <dgm:spPr/>
       <dgm:t>
         <a:bodyPr/>
         <a:lstStyle/>
         <a:p>
           <a:r>
-            <a:rPr lang="hu-HU" b="0" i="0" baseline="0"/>
-            <a:t>A posts.user_id mező </a:t>
+            <a:rPr lang="hu-HU" sz="2200" b="0" i="0" baseline="0" dirty="0"/>
+            <a:t>A </a:t>
           </a:r>
           <a:r>
-            <a:rPr lang="hu-HU" b="1" i="0" baseline="0"/>
-            <a:t>idegen kulcs</a:t>
+            <a:rPr lang="hu-HU" sz="2200" b="0" i="0" baseline="0" dirty="0" err="1"/>
+            <a:t>posts</a:t>
           </a:r>
           <a:r>
-            <a:rPr lang="hu-HU" b="0" i="0" baseline="0"/>
-            <a:t>, amely a users.id mezőre hivatko</a:t>
+            <a:rPr lang="hu-HU" sz="2200" b="0" i="0" baseline="0" dirty="0"/>
+            <a:t> táblában a </a:t>
           </a:r>
-          <a:endParaRPr lang="en-US"/>
+          <a:r>
+            <a:rPr lang="hu-HU" sz="2200" b="0" i="0" baseline="0" dirty="0" err="1"/>
+            <a:t>user_id</a:t>
+          </a:r>
+          <a:r>
+            <a:rPr lang="hu-HU" sz="2200" b="0" i="0" baseline="0" dirty="0"/>
+            <a:t> mező jelzi, hogy ki írta a bejegyzést.</a:t>
+          </a:r>
+          <a:br>
+            <a:rPr lang="hu-HU" sz="2200" b="0" i="0" baseline="0" dirty="0"/>
+          </a:br>
+          <a:r>
+            <a:rPr lang="hu-HU" sz="2200" b="0" i="0" baseline="0" dirty="0"/>
+            <a:t>Ez az érték a </a:t>
+          </a:r>
+          <a:r>
+            <a:rPr lang="hu-HU" sz="2200" b="0" i="0" baseline="0" dirty="0" err="1"/>
+            <a:t>users</a:t>
+          </a:r>
+          <a:r>
+            <a:rPr lang="hu-HU" sz="2200" b="0" i="0" baseline="0" dirty="0"/>
+            <a:t> tábla </a:t>
+          </a:r>
+          <a:r>
+            <a:rPr lang="hu-HU" sz="2200" b="0" i="0" baseline="0" dirty="0" err="1"/>
+            <a:t>id</a:t>
+          </a:r>
+          <a:r>
+            <a:rPr lang="hu-HU" sz="2200" b="0" i="0" baseline="0" dirty="0"/>
+            <a:t> mezőjére hivatkozik (idegen kulcs).</a:t>
+          </a:r>
+          <a:endParaRPr lang="en-US" sz="2200" dirty="0"/>
         </a:p>
       </dgm:t>
     </dgm:pt>
-    <dgm:pt modelId="{5DE099D5-2C37-4B31-95A6-29987381A898}" type="parTrans" cxnId="{833BCAFB-C772-451A-8D6C-55BAE3CBE565}">
+    <dgm:pt modelId="{B4BA0333-0EF1-4E03-BFDD-A66609ECC212}" type="parTrans" cxnId="{21B6BD5B-10DA-4918-9029-D092C67BEC54}">
       <dgm:prSet/>
       <dgm:spPr/>
       <dgm:t>
@@ -3076,7 +3260,7 @@
         </a:p>
       </dgm:t>
     </dgm:pt>
-    <dgm:pt modelId="{2541D59E-5950-4B40-B34D-68B3C133A406}" type="sibTrans" cxnId="{833BCAFB-C772-451A-8D6C-55BAE3CBE565}">
+    <dgm:pt modelId="{E0AAC4C8-F7CA-43FC-8352-677FC1416A61}" type="sibTrans" cxnId="{21B6BD5B-10DA-4918-9029-D092C67BEC54}">
       <dgm:prSet/>
       <dgm:spPr/>
       <dgm:t>
@@ -3087,83 +3271,102 @@
         </a:p>
       </dgm:t>
     </dgm:pt>
-    <dgm:pt modelId="{86AE6BF2-6E61-435F-8341-004084BB56F2}" type="pres">
-      <dgm:prSet presAssocID="{815EBFBE-D536-442D-80AC-CC5D83EC3EE3}" presName="hierChild1" presStyleCnt="0">
+    <dgm:pt modelId="{D8B4551B-41D7-4222-B0DB-95E7B964A2A5}">
+      <dgm:prSet custT="1"/>
+      <dgm:spPr/>
+      <dgm:t>
+        <a:bodyPr/>
+        <a:lstStyle/>
+        <a:p>
+          <a:r>
+            <a:rPr lang="hu-HU" sz="2200" b="0" i="0" baseline="0" dirty="0"/>
+            <a:t>Ez a kapcsolat rendezetten összeköti a felhasználókat a saját bejegyzéseikkel.</a:t>
+          </a:r>
+          <a:endParaRPr lang="en-US" sz="2200" dirty="0"/>
+        </a:p>
+      </dgm:t>
+    </dgm:pt>
+    <dgm:pt modelId="{FD3B8F1E-C16D-44E6-A9BD-6ECDFA653C55}" type="parTrans" cxnId="{AD4CC5B0-9627-4C92-96F2-8F5B14D86C52}">
+      <dgm:prSet/>
+      <dgm:spPr/>
+      <dgm:t>
+        <a:bodyPr/>
+        <a:lstStyle/>
+        <a:p>
+          <a:endParaRPr lang="en-US"/>
+        </a:p>
+      </dgm:t>
+    </dgm:pt>
+    <dgm:pt modelId="{FB6B734C-26B8-4586-9ACD-54E6E2BFAD0A}" type="sibTrans" cxnId="{AD4CC5B0-9627-4C92-96F2-8F5B14D86C52}">
+      <dgm:prSet/>
+      <dgm:spPr/>
+      <dgm:t>
+        <a:bodyPr/>
+        <a:lstStyle/>
+        <a:p>
+          <a:endParaRPr lang="en-US"/>
+        </a:p>
+      </dgm:t>
+    </dgm:pt>
+    <dgm:pt modelId="{1E1BA422-6190-41E0-8FAD-367A18FD718A}" type="pres">
+      <dgm:prSet presAssocID="{295463B7-3510-4687-8731-7DD840167DE4}" presName="Name0" presStyleCnt="0">
         <dgm:presLayoutVars>
-          <dgm:chPref val="1"/>
           <dgm:dir/>
-          <dgm:animOne val="branch"/>
           <dgm:animLvl val="lvl"/>
-          <dgm:resizeHandles/>
+          <dgm:resizeHandles val="exact"/>
         </dgm:presLayoutVars>
       </dgm:prSet>
       <dgm:spPr/>
     </dgm:pt>
-    <dgm:pt modelId="{401BADF0-54F9-4040-B260-1961CD25C4D8}" type="pres">
-      <dgm:prSet presAssocID="{829F840C-2C78-476B-9DC3-D622D66CFF88}" presName="hierRoot1" presStyleCnt="0"/>
+    <dgm:pt modelId="{CDCA3DA3-EEC5-479C-A353-720095476A3C}" type="pres">
+      <dgm:prSet presAssocID="{D8B4551B-41D7-4222-B0DB-95E7B964A2A5}" presName="boxAndChildren" presStyleCnt="0"/>
       <dgm:spPr/>
     </dgm:pt>
-    <dgm:pt modelId="{0B91D469-040B-4D92-AB1A-3115E588C53C}" type="pres">
-      <dgm:prSet presAssocID="{829F840C-2C78-476B-9DC3-D622D66CFF88}" presName="composite" presStyleCnt="0"/>
+    <dgm:pt modelId="{C1933974-92C1-4C87-A9CF-25A04572B778}" type="pres">
+      <dgm:prSet presAssocID="{D8B4551B-41D7-4222-B0DB-95E7B964A2A5}" presName="parentTextBox" presStyleLbl="node1" presStyleIdx="0" presStyleCnt="3"/>
       <dgm:spPr/>
     </dgm:pt>
-    <dgm:pt modelId="{9BAD560D-4F46-4FD2-AE6C-613B8A9EDD20}" type="pres">
-      <dgm:prSet presAssocID="{829F840C-2C78-476B-9DC3-D622D66CFF88}" presName="background" presStyleLbl="node0" presStyleIdx="0" presStyleCnt="2"/>
+    <dgm:pt modelId="{DCC52401-CC58-442D-ABC1-C51FDBDE5AA6}" type="pres">
+      <dgm:prSet presAssocID="{E0AAC4C8-F7CA-43FC-8352-677FC1416A61}" presName="sp" presStyleCnt="0"/>
       <dgm:spPr/>
     </dgm:pt>
-    <dgm:pt modelId="{E3E14777-DF8F-4978-B318-14CDE27CE87A}" type="pres">
-      <dgm:prSet presAssocID="{829F840C-2C78-476B-9DC3-D622D66CFF88}" presName="text" presStyleLbl="fgAcc0" presStyleIdx="0" presStyleCnt="2">
-        <dgm:presLayoutVars>
-          <dgm:chPref val="3"/>
-        </dgm:presLayoutVars>
-      </dgm:prSet>
+    <dgm:pt modelId="{602ECA14-6C4C-4D82-9D0B-94DA42ABC7AA}" type="pres">
+      <dgm:prSet presAssocID="{BA3C6AF5-37BF-458C-9D9D-FEA98A472DD0}" presName="arrowAndChildren" presStyleCnt="0"/>
       <dgm:spPr/>
     </dgm:pt>
-    <dgm:pt modelId="{E8633FEB-84C8-499C-9C7D-6570DAE0002E}" type="pres">
-      <dgm:prSet presAssocID="{829F840C-2C78-476B-9DC3-D622D66CFF88}" presName="hierChild2" presStyleCnt="0"/>
+    <dgm:pt modelId="{0CC413BC-8483-4185-A922-88F8B8B99A8D}" type="pres">
+      <dgm:prSet presAssocID="{BA3C6AF5-37BF-458C-9D9D-FEA98A472DD0}" presName="parentTextArrow" presStyleLbl="node1" presStyleIdx="1" presStyleCnt="3"/>
       <dgm:spPr/>
     </dgm:pt>
-    <dgm:pt modelId="{E23850B3-603C-4670-A766-C9305EE4F15B}" type="pres">
-      <dgm:prSet presAssocID="{4916FF8E-E14A-413D-9A45-5AC260617558}" presName="hierRoot1" presStyleCnt="0"/>
+    <dgm:pt modelId="{74126867-CFF1-4C5D-82DD-8D179BA21B72}" type="pres">
+      <dgm:prSet presAssocID="{E0A881C3-8A0D-48C4-8ACC-8978A3BE0E1E}" presName="sp" presStyleCnt="0"/>
       <dgm:spPr/>
     </dgm:pt>
-    <dgm:pt modelId="{A4FD5B29-782A-4A03-BCA6-3677B7B73B07}" type="pres">
-      <dgm:prSet presAssocID="{4916FF8E-E14A-413D-9A45-5AC260617558}" presName="composite" presStyleCnt="0"/>
+    <dgm:pt modelId="{4AB82B59-236F-42E5-B7E8-AE0921DDED3B}" type="pres">
+      <dgm:prSet presAssocID="{DFB3C5AF-1A3E-4C3D-AECC-0251FDE4B1F6}" presName="arrowAndChildren" presStyleCnt="0"/>
       <dgm:spPr/>
     </dgm:pt>
-    <dgm:pt modelId="{F00C3A6D-E53F-4671-8DAA-9887A2C77F01}" type="pres">
-      <dgm:prSet presAssocID="{4916FF8E-E14A-413D-9A45-5AC260617558}" presName="background" presStyleLbl="node0" presStyleIdx="1" presStyleCnt="2"/>
-      <dgm:spPr/>
-    </dgm:pt>
-    <dgm:pt modelId="{E7DE16BA-91F6-4033-8C75-2203FBE04460}" type="pres">
-      <dgm:prSet presAssocID="{4916FF8E-E14A-413D-9A45-5AC260617558}" presName="text" presStyleLbl="fgAcc0" presStyleIdx="1" presStyleCnt="2">
-        <dgm:presLayoutVars>
-          <dgm:chPref val="3"/>
-        </dgm:presLayoutVars>
-      </dgm:prSet>
-      <dgm:spPr/>
-    </dgm:pt>
-    <dgm:pt modelId="{B8BE5006-F3FC-42A7-A7EF-57FD2CFD8574}" type="pres">
-      <dgm:prSet presAssocID="{4916FF8E-E14A-413D-9A45-5AC260617558}" presName="hierChild2" presStyleCnt="0"/>
+    <dgm:pt modelId="{6F39D248-0C3C-42E2-ABDC-942BF7A84A43}" type="pres">
+      <dgm:prSet presAssocID="{DFB3C5AF-1A3E-4C3D-AECC-0251FDE4B1F6}" presName="parentTextArrow" presStyleLbl="node1" presStyleIdx="2" presStyleCnt="3"/>
       <dgm:spPr/>
     </dgm:pt>
   </dgm:ptLst>
   <dgm:cxnLst>
-    <dgm:cxn modelId="{C6908A60-E18A-4DC8-A9AE-834955B0E732}" type="presOf" srcId="{815EBFBE-D536-442D-80AC-CC5D83EC3EE3}" destId="{86AE6BF2-6E61-435F-8341-004084BB56F2}" srcOrd="0" destOrd="0" presId="urn:microsoft.com/office/officeart/2005/8/layout/hierarchy1"/>
-    <dgm:cxn modelId="{6EF45E77-5F9E-434A-B386-4AE6257F8279}" srcId="{815EBFBE-D536-442D-80AC-CC5D83EC3EE3}" destId="{829F840C-2C78-476B-9DC3-D622D66CFF88}" srcOrd="0" destOrd="0" parTransId="{78AB7E7F-A98A-4295-82D0-F861A9FA724C}" sibTransId="{57129B51-606E-409D-A49C-FBA9568FCE19}"/>
-    <dgm:cxn modelId="{B9D0BB8C-0BFF-46D5-B07C-AFE3602802B6}" type="presOf" srcId="{4916FF8E-E14A-413D-9A45-5AC260617558}" destId="{E7DE16BA-91F6-4033-8C75-2203FBE04460}" srcOrd="0" destOrd="0" presId="urn:microsoft.com/office/officeart/2005/8/layout/hierarchy1"/>
-    <dgm:cxn modelId="{6DD79BA1-C01F-4B4D-B8F2-C5C0988AA535}" type="presOf" srcId="{829F840C-2C78-476B-9DC3-D622D66CFF88}" destId="{E3E14777-DF8F-4978-B318-14CDE27CE87A}" srcOrd="0" destOrd="0" presId="urn:microsoft.com/office/officeart/2005/8/layout/hierarchy1"/>
-    <dgm:cxn modelId="{833BCAFB-C772-451A-8D6C-55BAE3CBE565}" srcId="{815EBFBE-D536-442D-80AC-CC5D83EC3EE3}" destId="{4916FF8E-E14A-413D-9A45-5AC260617558}" srcOrd="1" destOrd="0" parTransId="{5DE099D5-2C37-4B31-95A6-29987381A898}" sibTransId="{2541D59E-5950-4B40-B34D-68B3C133A406}"/>
-    <dgm:cxn modelId="{2AE947A3-9701-45DA-B0EE-46F8BAD5238F}" type="presParOf" srcId="{86AE6BF2-6E61-435F-8341-004084BB56F2}" destId="{401BADF0-54F9-4040-B260-1961CD25C4D8}" srcOrd="0" destOrd="0" presId="urn:microsoft.com/office/officeart/2005/8/layout/hierarchy1"/>
-    <dgm:cxn modelId="{A93C274F-BDD8-4EC1-B4EE-BC2985FEA864}" type="presParOf" srcId="{401BADF0-54F9-4040-B260-1961CD25C4D8}" destId="{0B91D469-040B-4D92-AB1A-3115E588C53C}" srcOrd="0" destOrd="0" presId="urn:microsoft.com/office/officeart/2005/8/layout/hierarchy1"/>
-    <dgm:cxn modelId="{6C2E390B-B1B0-4D9A-B1EC-ED80A32FB754}" type="presParOf" srcId="{0B91D469-040B-4D92-AB1A-3115E588C53C}" destId="{9BAD560D-4F46-4FD2-AE6C-613B8A9EDD20}" srcOrd="0" destOrd="0" presId="urn:microsoft.com/office/officeart/2005/8/layout/hierarchy1"/>
-    <dgm:cxn modelId="{58F83429-6E01-47E1-966B-E50121C27037}" type="presParOf" srcId="{0B91D469-040B-4D92-AB1A-3115E588C53C}" destId="{E3E14777-DF8F-4978-B318-14CDE27CE87A}" srcOrd="1" destOrd="0" presId="urn:microsoft.com/office/officeart/2005/8/layout/hierarchy1"/>
-    <dgm:cxn modelId="{2BD3F445-CD9B-4559-B5D4-9D8CE910F0DB}" type="presParOf" srcId="{401BADF0-54F9-4040-B260-1961CD25C4D8}" destId="{E8633FEB-84C8-499C-9C7D-6570DAE0002E}" srcOrd="1" destOrd="0" presId="urn:microsoft.com/office/officeart/2005/8/layout/hierarchy1"/>
-    <dgm:cxn modelId="{976C8598-61A5-41C9-8A8F-BC3EC0565749}" type="presParOf" srcId="{86AE6BF2-6E61-435F-8341-004084BB56F2}" destId="{E23850B3-603C-4670-A766-C9305EE4F15B}" srcOrd="1" destOrd="0" presId="urn:microsoft.com/office/officeart/2005/8/layout/hierarchy1"/>
-    <dgm:cxn modelId="{5DA527FB-0026-4233-B5D6-F11780B8275B}" type="presParOf" srcId="{E23850B3-603C-4670-A766-C9305EE4F15B}" destId="{A4FD5B29-782A-4A03-BCA6-3677B7B73B07}" srcOrd="0" destOrd="0" presId="urn:microsoft.com/office/officeart/2005/8/layout/hierarchy1"/>
-    <dgm:cxn modelId="{E20966DC-F760-4150-A4E3-6F4189893B4C}" type="presParOf" srcId="{A4FD5B29-782A-4A03-BCA6-3677B7B73B07}" destId="{F00C3A6D-E53F-4671-8DAA-9887A2C77F01}" srcOrd="0" destOrd="0" presId="urn:microsoft.com/office/officeart/2005/8/layout/hierarchy1"/>
-    <dgm:cxn modelId="{2A2AB8C0-C89B-4E3D-B206-EFADE42112BA}" type="presParOf" srcId="{A4FD5B29-782A-4A03-BCA6-3677B7B73B07}" destId="{E7DE16BA-91F6-4033-8C75-2203FBE04460}" srcOrd="1" destOrd="0" presId="urn:microsoft.com/office/officeart/2005/8/layout/hierarchy1"/>
-    <dgm:cxn modelId="{3D9FB5F7-1269-4CAD-881C-B6BDCB163DA1}" type="presParOf" srcId="{E23850B3-603C-4670-A766-C9305EE4F15B}" destId="{B8BE5006-F3FC-42A7-A7EF-57FD2CFD8574}" srcOrd="1" destOrd="0" presId="urn:microsoft.com/office/officeart/2005/8/layout/hierarchy1"/>
+    <dgm:cxn modelId="{A5260D02-2E35-4296-85DF-DFDCBD8A07DA}" type="presOf" srcId="{DFB3C5AF-1A3E-4C3D-AECC-0251FDE4B1F6}" destId="{6F39D248-0C3C-42E2-ABDC-942BF7A84A43}" srcOrd="0" destOrd="0" presId="urn:microsoft.com/office/officeart/2005/8/layout/process4"/>
+    <dgm:cxn modelId="{216BBE07-3EBF-40CB-B5E4-DE4CBD1D44C2}" type="presOf" srcId="{295463B7-3510-4687-8731-7DD840167DE4}" destId="{1E1BA422-6190-41E0-8FAD-367A18FD718A}" srcOrd="0" destOrd="0" presId="urn:microsoft.com/office/officeart/2005/8/layout/process4"/>
+    <dgm:cxn modelId="{1DE4363C-CDB5-4F70-9849-2D8DFE963ED1}" srcId="{295463B7-3510-4687-8731-7DD840167DE4}" destId="{DFB3C5AF-1A3E-4C3D-AECC-0251FDE4B1F6}" srcOrd="0" destOrd="0" parTransId="{89B1DC6E-A984-45D0-AF02-0067ED916576}" sibTransId="{E0A881C3-8A0D-48C4-8ACC-8978A3BE0E1E}"/>
+    <dgm:cxn modelId="{21B6BD5B-10DA-4918-9029-D092C67BEC54}" srcId="{295463B7-3510-4687-8731-7DD840167DE4}" destId="{BA3C6AF5-37BF-458C-9D9D-FEA98A472DD0}" srcOrd="1" destOrd="0" parTransId="{B4BA0333-0EF1-4E03-BFDD-A66609ECC212}" sibTransId="{E0AAC4C8-F7CA-43FC-8352-677FC1416A61}"/>
+    <dgm:cxn modelId="{AD4CC5B0-9627-4C92-96F2-8F5B14D86C52}" srcId="{295463B7-3510-4687-8731-7DD840167DE4}" destId="{D8B4551B-41D7-4222-B0DB-95E7B964A2A5}" srcOrd="2" destOrd="0" parTransId="{FD3B8F1E-C16D-44E6-A9BD-6ECDFA653C55}" sibTransId="{FB6B734C-26B8-4586-9ACD-54E6E2BFAD0A}"/>
+    <dgm:cxn modelId="{034065B3-2DF7-4E71-B8B3-2818FB77B6D3}" type="presOf" srcId="{BA3C6AF5-37BF-458C-9D9D-FEA98A472DD0}" destId="{0CC413BC-8483-4185-A922-88F8B8B99A8D}" srcOrd="0" destOrd="0" presId="urn:microsoft.com/office/officeart/2005/8/layout/process4"/>
+    <dgm:cxn modelId="{276E1AEA-44F5-46A9-AC8B-B8AC0037C007}" type="presOf" srcId="{D8B4551B-41D7-4222-B0DB-95E7B964A2A5}" destId="{C1933974-92C1-4C87-A9CF-25A04572B778}" srcOrd="0" destOrd="0" presId="urn:microsoft.com/office/officeart/2005/8/layout/process4"/>
+    <dgm:cxn modelId="{94D45AD7-70AE-4442-92CA-78E1304CA383}" type="presParOf" srcId="{1E1BA422-6190-41E0-8FAD-367A18FD718A}" destId="{CDCA3DA3-EEC5-479C-A353-720095476A3C}" srcOrd="0" destOrd="0" presId="urn:microsoft.com/office/officeart/2005/8/layout/process4"/>
+    <dgm:cxn modelId="{1D14AD38-D84D-4857-AA87-99CA5E78CFA2}" type="presParOf" srcId="{CDCA3DA3-EEC5-479C-A353-720095476A3C}" destId="{C1933974-92C1-4C87-A9CF-25A04572B778}" srcOrd="0" destOrd="0" presId="urn:microsoft.com/office/officeart/2005/8/layout/process4"/>
+    <dgm:cxn modelId="{7EB194CC-1CA2-496E-950E-E4E1AB6C3DF4}" type="presParOf" srcId="{1E1BA422-6190-41E0-8FAD-367A18FD718A}" destId="{DCC52401-CC58-442D-ABC1-C51FDBDE5AA6}" srcOrd="1" destOrd="0" presId="urn:microsoft.com/office/officeart/2005/8/layout/process4"/>
+    <dgm:cxn modelId="{8BFAF834-9383-4DBD-8326-F01C4E2334BA}" type="presParOf" srcId="{1E1BA422-6190-41E0-8FAD-367A18FD718A}" destId="{602ECA14-6C4C-4D82-9D0B-94DA42ABC7AA}" srcOrd="2" destOrd="0" presId="urn:microsoft.com/office/officeart/2005/8/layout/process4"/>
+    <dgm:cxn modelId="{8C30C3B5-BE56-459C-B7B1-4432A5850E16}" type="presParOf" srcId="{602ECA14-6C4C-4D82-9D0B-94DA42ABC7AA}" destId="{0CC413BC-8483-4185-A922-88F8B8B99A8D}" srcOrd="0" destOrd="0" presId="urn:microsoft.com/office/officeart/2005/8/layout/process4"/>
+    <dgm:cxn modelId="{F224A3BD-C483-48BE-BECA-1914CDFD6D4B}" type="presParOf" srcId="{1E1BA422-6190-41E0-8FAD-367A18FD718A}" destId="{74126867-CFF1-4C5D-82DD-8D179BA21B72}" srcOrd="3" destOrd="0" presId="urn:microsoft.com/office/officeart/2005/8/layout/process4"/>
+    <dgm:cxn modelId="{33ABB670-5F13-429E-A8C0-D801BF3AD10E}" type="presParOf" srcId="{1E1BA422-6190-41E0-8FAD-367A18FD718A}" destId="{4AB82B59-236F-42E5-B7E8-AE0921DDED3B}" srcOrd="4" destOrd="0" presId="urn:microsoft.com/office/officeart/2005/8/layout/process4"/>
+    <dgm:cxn modelId="{0447EE9C-BA93-4DFE-B8B1-7E93AD40C160}" type="presParOf" srcId="{4AB82B59-236F-42E5-B7E8-AE0921DDED3B}" destId="{6F39D248-0C3C-42E2-ABDC-942BF7A84A43}" srcOrd="0" destOrd="0" presId="urn:microsoft.com/office/officeart/2005/8/layout/process4"/>
   </dgm:cxnLst>
   <dgm:bg/>
   <dgm:whole/>
@@ -3610,8 +3813,8 @@
       </dsp:nvSpPr>
       <dsp:spPr>
         <a:xfrm>
-          <a:off x="0" y="523399"/>
-          <a:ext cx="5607050" cy="608400"/>
+          <a:off x="0" y="257337"/>
+          <a:ext cx="6809590" cy="760500"/>
         </a:xfrm>
         <a:prstGeom prst="roundRect">
           <a:avLst/>
@@ -3674,12 +3877,12 @@
         </a:fontRef>
       </dsp:style>
       <dsp:txBody>
-        <a:bodyPr spcFirstLastPara="0" vert="horz" wrap="square" lIns="60960" tIns="60960" rIns="60960" bIns="60960" numCol="1" spcCol="1270" anchor="ctr" anchorCtr="0">
+        <a:bodyPr spcFirstLastPara="0" vert="horz" wrap="square" lIns="76200" tIns="76200" rIns="76200" bIns="76200" numCol="1" spcCol="1270" anchor="ctr" anchorCtr="0">
           <a:noAutofit/>
         </a:bodyPr>
         <a:lstStyle/>
         <a:p>
-          <a:pPr marL="0" lvl="0" indent="0" algn="l" defTabSz="711200">
+          <a:pPr marL="0" lvl="0" indent="0" algn="l" defTabSz="889000">
             <a:lnSpc>
               <a:spcPct val="90000"/>
             </a:lnSpc>
@@ -3692,15 +3895,15 @@
             <a:buNone/>
           </a:pPr>
           <a:r>
-            <a:rPr lang="hu-HU" sz="1600" kern="1200"/>
+            <a:rPr lang="hu-HU" sz="2000" kern="1200"/>
             <a:t>A JSON minden eleme az alábbi tulajdonságokat tartalmazza:</a:t>
           </a:r>
-          <a:endParaRPr lang="en-US" sz="1600" kern="1200"/>
+          <a:endParaRPr lang="en-US" sz="2000" kern="1200"/>
         </a:p>
       </dsp:txBody>
       <dsp:txXfrm>
-        <a:off x="29700" y="553099"/>
-        <a:ext cx="5547650" cy="549000"/>
+        <a:off x="37125" y="294462"/>
+        <a:ext cx="6735340" cy="686250"/>
       </dsp:txXfrm>
     </dsp:sp>
     <dsp:sp modelId="{89BB8081-3B05-4847-9404-98CEA0B01E92}">
@@ -3710,8 +3913,8 @@
       </dsp:nvSpPr>
       <dsp:spPr>
         <a:xfrm>
-          <a:off x="0" y="1177879"/>
-          <a:ext cx="5607050" cy="608400"/>
+          <a:off x="0" y="1075437"/>
+          <a:ext cx="6809590" cy="760500"/>
         </a:xfrm>
         <a:prstGeom prst="roundRect">
           <a:avLst/>
@@ -3774,12 +3977,12 @@
         </a:fontRef>
       </dsp:style>
       <dsp:txBody>
-        <a:bodyPr spcFirstLastPara="0" vert="horz" wrap="square" lIns="60960" tIns="60960" rIns="60960" bIns="60960" numCol="1" spcCol="1270" anchor="ctr" anchorCtr="0">
+        <a:bodyPr spcFirstLastPara="0" vert="horz" wrap="square" lIns="76200" tIns="76200" rIns="76200" bIns="76200" numCol="1" spcCol="1270" anchor="ctr" anchorCtr="0">
           <a:noAutofit/>
         </a:bodyPr>
         <a:lstStyle/>
         <a:p>
-          <a:pPr marL="0" lvl="0" indent="0" algn="l" defTabSz="711200">
+          <a:pPr marL="0" lvl="0" indent="0" algn="l" defTabSz="889000">
             <a:lnSpc>
               <a:spcPct val="90000"/>
             </a:lnSpc>
@@ -3792,19 +3995,19 @@
             <a:buNone/>
           </a:pPr>
           <a:r>
-            <a:rPr lang="hu-HU" sz="1600" b="1" kern="1200"/>
+            <a:rPr lang="hu-HU" sz="2000" b="1" kern="1200" dirty="0" err="1"/>
             <a:t>userId</a:t>
           </a:r>
           <a:r>
-            <a:rPr lang="hu-HU" sz="1600" kern="1200"/>
+            <a:rPr lang="hu-HU" sz="2000" kern="1200" dirty="0"/>
             <a:t> – A szerző azonosítója (kapcsolódik egy másik felhasználói listához)</a:t>
           </a:r>
-          <a:endParaRPr lang="en-US" sz="1600" kern="1200"/>
+          <a:endParaRPr lang="en-US" sz="2000" kern="1200" dirty="0"/>
         </a:p>
       </dsp:txBody>
       <dsp:txXfrm>
-        <a:off x="29700" y="1207579"/>
-        <a:ext cx="5547650" cy="549000"/>
+        <a:off x="37125" y="1112562"/>
+        <a:ext cx="6735340" cy="686250"/>
       </dsp:txXfrm>
     </dsp:sp>
     <dsp:sp modelId="{0D1D016C-90A8-4D7B-BCD1-4D7534864BCE}">
@@ -3814,8 +4017,8 @@
       </dsp:nvSpPr>
       <dsp:spPr>
         <a:xfrm>
-          <a:off x="0" y="1832359"/>
-          <a:ext cx="5607050" cy="608400"/>
+          <a:off x="0" y="1893537"/>
+          <a:ext cx="6809590" cy="760500"/>
         </a:xfrm>
         <a:prstGeom prst="roundRect">
           <a:avLst/>
@@ -3878,12 +4081,12 @@
         </a:fontRef>
       </dsp:style>
       <dsp:txBody>
-        <a:bodyPr spcFirstLastPara="0" vert="horz" wrap="square" lIns="60960" tIns="60960" rIns="60960" bIns="60960" numCol="1" spcCol="1270" anchor="ctr" anchorCtr="0">
+        <a:bodyPr spcFirstLastPara="0" vert="horz" wrap="square" lIns="76200" tIns="76200" rIns="76200" bIns="76200" numCol="1" spcCol="1270" anchor="ctr" anchorCtr="0">
           <a:noAutofit/>
         </a:bodyPr>
         <a:lstStyle/>
         <a:p>
-          <a:pPr marL="0" lvl="0" indent="0" algn="l" defTabSz="711200">
+          <a:pPr marL="0" lvl="0" indent="0" algn="l" defTabSz="889000">
             <a:lnSpc>
               <a:spcPct val="90000"/>
             </a:lnSpc>
@@ -3896,19 +4099,19 @@
             <a:buNone/>
           </a:pPr>
           <a:r>
-            <a:rPr lang="hu-HU" sz="1600" b="1" kern="1200"/>
+            <a:rPr lang="hu-HU" sz="2000" b="1" kern="1200"/>
             <a:t>id</a:t>
           </a:r>
           <a:r>
-            <a:rPr lang="hu-HU" sz="1600" kern="1200"/>
+            <a:rPr lang="hu-HU" sz="2000" kern="1200"/>
             <a:t> – Egyedi azonosító (minden bejegyzéshez más)</a:t>
           </a:r>
-          <a:endParaRPr lang="en-US" sz="1600" kern="1200"/>
+          <a:endParaRPr lang="en-US" sz="2000" kern="1200"/>
         </a:p>
       </dsp:txBody>
       <dsp:txXfrm>
-        <a:off x="29700" y="1862059"/>
-        <a:ext cx="5547650" cy="549000"/>
+        <a:off x="37125" y="1930662"/>
+        <a:ext cx="6735340" cy="686250"/>
       </dsp:txXfrm>
     </dsp:sp>
     <dsp:sp modelId="{370B9147-AD89-484B-A022-F711D647D713}">
@@ -3918,8 +4121,8 @@
       </dsp:nvSpPr>
       <dsp:spPr>
         <a:xfrm>
-          <a:off x="0" y="2486839"/>
-          <a:ext cx="5607050" cy="608400"/>
+          <a:off x="0" y="2711637"/>
+          <a:ext cx="6809590" cy="760500"/>
         </a:xfrm>
         <a:prstGeom prst="roundRect">
           <a:avLst/>
@@ -3982,12 +4185,12 @@
         </a:fontRef>
       </dsp:style>
       <dsp:txBody>
-        <a:bodyPr spcFirstLastPara="0" vert="horz" wrap="square" lIns="60960" tIns="60960" rIns="60960" bIns="60960" numCol="1" spcCol="1270" anchor="ctr" anchorCtr="0">
+        <a:bodyPr spcFirstLastPara="0" vert="horz" wrap="square" lIns="76200" tIns="76200" rIns="76200" bIns="76200" numCol="1" spcCol="1270" anchor="ctr" anchorCtr="0">
           <a:noAutofit/>
         </a:bodyPr>
         <a:lstStyle/>
         <a:p>
-          <a:pPr marL="0" lvl="0" indent="0" algn="l" defTabSz="711200">
+          <a:pPr marL="0" lvl="0" indent="0" algn="l" defTabSz="889000">
             <a:lnSpc>
               <a:spcPct val="90000"/>
             </a:lnSpc>
@@ -4000,19 +4203,19 @@
             <a:buNone/>
           </a:pPr>
           <a:r>
-            <a:rPr lang="hu-HU" sz="1600" b="1" kern="1200"/>
+            <a:rPr lang="hu-HU" sz="2000" b="1" kern="1200"/>
             <a:t>title</a:t>
           </a:r>
           <a:r>
-            <a:rPr lang="hu-HU" sz="1600" kern="1200"/>
+            <a:rPr lang="hu-HU" sz="2000" kern="1200"/>
             <a:t> – A bejegyzés címe</a:t>
           </a:r>
-          <a:endParaRPr lang="en-US" sz="1600" kern="1200"/>
+          <a:endParaRPr lang="en-US" sz="2000" kern="1200"/>
         </a:p>
       </dsp:txBody>
       <dsp:txXfrm>
-        <a:off x="29700" y="2516539"/>
-        <a:ext cx="5547650" cy="549000"/>
+        <a:off x="37125" y="2748762"/>
+        <a:ext cx="6735340" cy="686250"/>
       </dsp:txXfrm>
     </dsp:sp>
     <dsp:sp modelId="{EC9E2C64-6C47-45B1-8500-CED6063BF3CB}">
@@ -4022,8 +4225,8 @@
       </dsp:nvSpPr>
       <dsp:spPr>
         <a:xfrm>
-          <a:off x="0" y="3141320"/>
-          <a:ext cx="5607050" cy="608400"/>
+          <a:off x="0" y="3529737"/>
+          <a:ext cx="6809590" cy="760500"/>
         </a:xfrm>
         <a:prstGeom prst="roundRect">
           <a:avLst/>
@@ -4086,12 +4289,12 @@
         </a:fontRef>
       </dsp:style>
       <dsp:txBody>
-        <a:bodyPr spcFirstLastPara="0" vert="horz" wrap="square" lIns="60960" tIns="60960" rIns="60960" bIns="60960" numCol="1" spcCol="1270" anchor="ctr" anchorCtr="0">
+        <a:bodyPr spcFirstLastPara="0" vert="horz" wrap="square" lIns="76200" tIns="76200" rIns="76200" bIns="76200" numCol="1" spcCol="1270" anchor="ctr" anchorCtr="0">
           <a:noAutofit/>
         </a:bodyPr>
         <a:lstStyle/>
         <a:p>
-          <a:pPr marL="0" lvl="0" indent="0" algn="l" defTabSz="711200">
+          <a:pPr marL="0" lvl="0" indent="0" algn="l" defTabSz="889000">
             <a:lnSpc>
               <a:spcPct val="90000"/>
             </a:lnSpc>
@@ -4104,19 +4307,19 @@
             <a:buNone/>
           </a:pPr>
           <a:r>
-            <a:rPr lang="hu-HU" sz="1600" b="1" kern="1200"/>
+            <a:rPr lang="hu-HU" sz="2000" b="1" kern="1200"/>
             <a:t>body</a:t>
           </a:r>
           <a:r>
-            <a:rPr lang="hu-HU" sz="1600" kern="1200"/>
+            <a:rPr lang="hu-HU" sz="2000" kern="1200"/>
             <a:t> – A bejegyzés szövegtartalma</a:t>
           </a:r>
-          <a:endParaRPr lang="en-US" sz="1600" kern="1200"/>
+          <a:endParaRPr lang="en-US" sz="2000" kern="1200"/>
         </a:p>
       </dsp:txBody>
       <dsp:txXfrm>
-        <a:off x="29700" y="3171020"/>
-        <a:ext cx="5547650" cy="549000"/>
+        <a:off x="37125" y="3566862"/>
+        <a:ext cx="6735340" cy="686250"/>
       </dsp:txXfrm>
     </dsp:sp>
     <dsp:sp modelId="{10A1B2A5-D096-4A0A-BE13-C47383CB2365}">
@@ -4126,8 +4329,8 @@
       </dsp:nvSpPr>
       <dsp:spPr>
         <a:xfrm>
-          <a:off x="0" y="3795800"/>
-          <a:ext cx="5607050" cy="608400"/>
+          <a:off x="0" y="4347837"/>
+          <a:ext cx="6809590" cy="760500"/>
         </a:xfrm>
         <a:prstGeom prst="roundRect">
           <a:avLst/>
@@ -4190,12 +4393,12 @@
         </a:fontRef>
       </dsp:style>
       <dsp:txBody>
-        <a:bodyPr spcFirstLastPara="0" vert="horz" wrap="square" lIns="60960" tIns="60960" rIns="60960" bIns="60960" numCol="1" spcCol="1270" anchor="ctr" anchorCtr="0">
+        <a:bodyPr spcFirstLastPara="0" vert="horz" wrap="square" lIns="76200" tIns="76200" rIns="76200" bIns="76200" numCol="1" spcCol="1270" anchor="ctr" anchorCtr="0">
           <a:noAutofit/>
         </a:bodyPr>
         <a:lstStyle/>
         <a:p>
-          <a:pPr marL="0" lvl="0" indent="0" algn="l" defTabSz="711200">
+          <a:pPr marL="0" lvl="0" indent="0" algn="l" defTabSz="889000">
             <a:lnSpc>
               <a:spcPct val="90000"/>
             </a:lnSpc>
@@ -4208,15 +4411,15 @@
             <a:buNone/>
           </a:pPr>
           <a:r>
-            <a:rPr lang="hu-HU" sz="1600" kern="1200" dirty="0"/>
+            <a:rPr lang="hu-HU" sz="2000" kern="1200" dirty="0"/>
             <a:t>A mezők egyszerű adattípusokat tartalmaznak (szám és szöveg), amelyek könnyen átültethetők relációs adatbázis mezőibe.</a:t>
           </a:r>
-          <a:endParaRPr lang="en-US" sz="1600" kern="1200" dirty="0"/>
+          <a:endParaRPr lang="en-US" sz="2000" kern="1200" dirty="0"/>
         </a:p>
       </dsp:txBody>
       <dsp:txXfrm>
-        <a:off x="29700" y="3825500"/>
-        <a:ext cx="5547650" cy="549000"/>
+        <a:off x="37125" y="4384962"/>
+        <a:ext cx="6735340" cy="686250"/>
       </dsp:txXfrm>
     </dsp:sp>
   </dsp:spTree>
@@ -4231,23 +4434,21 @@
       <dsp:cNvGrpSpPr/>
     </dsp:nvGrpSpPr>
     <dsp:grpSpPr/>
-    <dsp:sp modelId="{9BAD560D-4F46-4FD2-AE6C-613B8A9EDD20}">
+    <dsp:sp modelId="{C1933974-92C1-4C87-A9CF-25A04572B778}">
       <dsp:nvSpPr>
         <dsp:cNvPr id="0" name=""/>
         <dsp:cNvSpPr/>
       </dsp:nvSpPr>
       <dsp:spPr>
         <a:xfrm>
-          <a:off x="238000" y="992"/>
-          <a:ext cx="4193827" cy="2663080"/>
+          <a:off x="0" y="3972164"/>
+          <a:ext cx="6151562" cy="1303752"/>
         </a:xfrm>
-        <a:prstGeom prst="roundRect">
-          <a:avLst>
-            <a:gd name="adj" fmla="val 10000"/>
-          </a:avLst>
+        <a:prstGeom prst="rect">
+          <a:avLst/>
         </a:prstGeom>
         <a:solidFill>
-          <a:schemeClr val="accent1">
+          <a:schemeClr val="accent2">
             <a:hueOff val="0"/>
             <a:satOff val="0"/>
             <a:lumOff val="0"/>
@@ -4281,63 +4482,13 @@
           <a:schemeClr val="lt1"/>
         </a:fontRef>
       </dsp:style>
-    </dsp:sp>
-    <dsp:sp modelId="{E3E14777-DF8F-4978-B318-14CDE27CE87A}">
-      <dsp:nvSpPr>
-        <dsp:cNvPr id="0" name=""/>
-        <dsp:cNvSpPr/>
-      </dsp:nvSpPr>
-      <dsp:spPr>
-        <a:xfrm>
-          <a:off x="703981" y="443674"/>
-          <a:ext cx="4193827" cy="2663080"/>
-        </a:xfrm>
-        <a:prstGeom prst="roundRect">
-          <a:avLst>
-            <a:gd name="adj" fmla="val 10000"/>
-          </a:avLst>
-        </a:prstGeom>
-        <a:solidFill>
-          <a:schemeClr val="lt1">
-            <a:alpha val="90000"/>
-            <a:hueOff val="0"/>
-            <a:satOff val="0"/>
-            <a:lumOff val="0"/>
-            <a:alphaOff val="0"/>
-          </a:schemeClr>
-        </a:solidFill>
-        <a:ln w="12700" cap="flat" cmpd="sng" algn="ctr">
-          <a:solidFill>
-            <a:schemeClr val="accent1">
-              <a:hueOff val="0"/>
-              <a:satOff val="0"/>
-              <a:lumOff val="0"/>
-              <a:alphaOff val="0"/>
-            </a:schemeClr>
-          </a:solidFill>
-          <a:prstDash val="solid"/>
-        </a:ln>
-        <a:effectLst/>
-      </dsp:spPr>
-      <dsp:style>
-        <a:lnRef idx="2">
-          <a:scrgbClr r="0" g="0" b="0"/>
-        </a:lnRef>
-        <a:fillRef idx="1">
-          <a:scrgbClr r="0" g="0" b="0"/>
-        </a:fillRef>
-        <a:effectRef idx="0">
-          <a:scrgbClr r="0" g="0" b="0"/>
-        </a:effectRef>
-        <a:fontRef idx="minor"/>
-      </dsp:style>
       <dsp:txBody>
-        <a:bodyPr spcFirstLastPara="0" vert="horz" wrap="square" lIns="129540" tIns="129540" rIns="129540" bIns="129540" numCol="1" spcCol="1270" anchor="ctr" anchorCtr="0">
+        <a:bodyPr spcFirstLastPara="0" vert="horz" wrap="square" lIns="156464" tIns="156464" rIns="156464" bIns="156464" numCol="1" spcCol="1270" anchor="ctr" anchorCtr="0">
           <a:noAutofit/>
         </a:bodyPr>
         <a:lstStyle/>
         <a:p>
-          <a:pPr marL="0" lvl="0" indent="0" algn="ctr" defTabSz="1511300">
+          <a:pPr marL="0" lvl="0" indent="0" algn="ctr" defTabSz="977900">
             <a:lnSpc>
               <a:spcPct val="90000"/>
             </a:lnSpc>
@@ -4350,42 +4501,32 @@
             <a:buNone/>
           </a:pPr>
           <a:r>
-            <a:rPr lang="hu-HU" sz="3400" b="0" i="0" kern="1200" baseline="0"/>
-            <a:t>Egy user több post-ot írhat → </a:t>
+            <a:rPr lang="hu-HU" sz="2200" b="0" i="0" kern="1200" baseline="0" dirty="0"/>
+            <a:t>Ez a kapcsolat rendezetten összeköti a felhasználókat a saját bejegyzéseikkel.</a:t>
           </a:r>
-          <a:r>
-            <a:rPr lang="hu-HU" sz="3400" b="1" i="0" kern="1200" baseline="0"/>
-            <a:t>1:N kapcsolat</a:t>
-          </a:r>
-          <a:r>
-            <a:rPr lang="hu-HU" sz="3400" b="0" i="0" kern="1200" baseline="0"/>
-            <a:t> a users és posts tábla között.</a:t>
-          </a:r>
-          <a:endParaRPr lang="en-US" sz="3400" kern="1200"/>
+          <a:endParaRPr lang="en-US" sz="2200" kern="1200" dirty="0"/>
         </a:p>
       </dsp:txBody>
       <dsp:txXfrm>
-        <a:off x="781980" y="521673"/>
-        <a:ext cx="4037829" cy="2507082"/>
+        <a:off x="0" y="3972164"/>
+        <a:ext cx="6151562" cy="1303752"/>
       </dsp:txXfrm>
     </dsp:sp>
-    <dsp:sp modelId="{F00C3A6D-E53F-4671-8DAA-9887A2C77F01}">
+    <dsp:sp modelId="{0CC413BC-8483-4185-A922-88F8B8B99A8D}">
       <dsp:nvSpPr>
         <dsp:cNvPr id="0" name=""/>
         <dsp:cNvSpPr/>
       </dsp:nvSpPr>
       <dsp:spPr>
-        <a:xfrm>
-          <a:off x="5363790" y="992"/>
-          <a:ext cx="4193827" cy="2663080"/>
+        <a:xfrm rot="10800000">
+          <a:off x="0" y="1986548"/>
+          <a:ext cx="6151562" cy="2005172"/>
         </a:xfrm>
-        <a:prstGeom prst="roundRect">
-          <a:avLst>
-            <a:gd name="adj" fmla="val 10000"/>
-          </a:avLst>
+        <a:prstGeom prst="upArrowCallout">
+          <a:avLst/>
         </a:prstGeom>
         <a:solidFill>
-          <a:schemeClr val="accent1">
+          <a:schemeClr val="accent3">
             <a:hueOff val="0"/>
             <a:satOff val="0"/>
             <a:lumOff val="0"/>
@@ -4419,25 +4560,90 @@
           <a:schemeClr val="lt1"/>
         </a:fontRef>
       </dsp:style>
+      <dsp:txBody>
+        <a:bodyPr spcFirstLastPara="0" vert="horz" wrap="square" lIns="156464" tIns="156464" rIns="156464" bIns="156464" numCol="1" spcCol="1270" anchor="ctr" anchorCtr="0">
+          <a:noAutofit/>
+        </a:bodyPr>
+        <a:lstStyle/>
+        <a:p>
+          <a:pPr marL="0" lvl="0" indent="0" algn="ctr" defTabSz="977900">
+            <a:lnSpc>
+              <a:spcPct val="90000"/>
+            </a:lnSpc>
+            <a:spcBef>
+              <a:spcPct val="0"/>
+            </a:spcBef>
+            <a:spcAft>
+              <a:spcPct val="35000"/>
+            </a:spcAft>
+            <a:buNone/>
+          </a:pPr>
+          <a:r>
+            <a:rPr lang="hu-HU" sz="2200" b="0" i="0" kern="1200" baseline="0" dirty="0"/>
+            <a:t>A </a:t>
+          </a:r>
+          <a:r>
+            <a:rPr lang="hu-HU" sz="2200" b="0" i="0" kern="1200" baseline="0" dirty="0" err="1"/>
+            <a:t>posts</a:t>
+          </a:r>
+          <a:r>
+            <a:rPr lang="hu-HU" sz="2200" b="0" i="0" kern="1200" baseline="0" dirty="0"/>
+            <a:t> táblában a </a:t>
+          </a:r>
+          <a:r>
+            <a:rPr lang="hu-HU" sz="2200" b="0" i="0" kern="1200" baseline="0" dirty="0" err="1"/>
+            <a:t>user_id</a:t>
+          </a:r>
+          <a:r>
+            <a:rPr lang="hu-HU" sz="2200" b="0" i="0" kern="1200" baseline="0" dirty="0"/>
+            <a:t> mező jelzi, hogy ki írta a bejegyzést.</a:t>
+          </a:r>
+          <a:br>
+            <a:rPr lang="hu-HU" sz="2200" b="0" i="0" kern="1200" baseline="0" dirty="0"/>
+          </a:br>
+          <a:r>
+            <a:rPr lang="hu-HU" sz="2200" b="0" i="0" kern="1200" baseline="0" dirty="0"/>
+            <a:t>Ez az érték a </a:t>
+          </a:r>
+          <a:r>
+            <a:rPr lang="hu-HU" sz="2200" b="0" i="0" kern="1200" baseline="0" dirty="0" err="1"/>
+            <a:t>users</a:t>
+          </a:r>
+          <a:r>
+            <a:rPr lang="hu-HU" sz="2200" b="0" i="0" kern="1200" baseline="0" dirty="0"/>
+            <a:t> tábla </a:t>
+          </a:r>
+          <a:r>
+            <a:rPr lang="hu-HU" sz="2200" b="0" i="0" kern="1200" baseline="0" dirty="0" err="1"/>
+            <a:t>id</a:t>
+          </a:r>
+          <a:r>
+            <a:rPr lang="hu-HU" sz="2200" b="0" i="0" kern="1200" baseline="0" dirty="0"/>
+            <a:t> mezőjére hivatkozik (idegen kulcs).</a:t>
+          </a:r>
+          <a:endParaRPr lang="en-US" sz="2200" kern="1200" dirty="0"/>
+        </a:p>
+      </dsp:txBody>
+      <dsp:txXfrm rot="10800000">
+        <a:off x="0" y="1986548"/>
+        <a:ext cx="6151562" cy="1302901"/>
+      </dsp:txXfrm>
     </dsp:sp>
-    <dsp:sp modelId="{E7DE16BA-91F6-4033-8C75-2203FBE04460}">
+    <dsp:sp modelId="{6F39D248-0C3C-42E2-ABDC-942BF7A84A43}">
       <dsp:nvSpPr>
         <dsp:cNvPr id="0" name=""/>
         <dsp:cNvSpPr/>
       </dsp:nvSpPr>
       <dsp:spPr>
-        <a:xfrm>
-          <a:off x="5829771" y="443674"/>
-          <a:ext cx="4193827" cy="2663080"/>
+        <a:xfrm rot="10800000">
+          <a:off x="0" y="932"/>
+          <a:ext cx="6151562" cy="2005172"/>
         </a:xfrm>
-        <a:prstGeom prst="roundRect">
-          <a:avLst>
-            <a:gd name="adj" fmla="val 10000"/>
-          </a:avLst>
+        <a:prstGeom prst="upArrowCallout">
+          <a:avLst/>
         </a:prstGeom>
         <a:solidFill>
-          <a:schemeClr val="lt1">
-            <a:alpha val="90000"/>
+          <a:schemeClr val="accent4">
             <a:hueOff val="0"/>
             <a:satOff val="0"/>
             <a:lumOff val="0"/>
@@ -4446,7 +4652,7 @@
         </a:solidFill>
         <a:ln w="12700" cap="flat" cmpd="sng" algn="ctr">
           <a:solidFill>
-            <a:schemeClr val="accent1">
+            <a:schemeClr val="lt1">
               <a:hueOff val="0"/>
               <a:satOff val="0"/>
               <a:lumOff val="0"/>
@@ -4467,15 +4673,17 @@
         <a:effectRef idx="0">
           <a:scrgbClr r="0" g="0" b="0"/>
         </a:effectRef>
-        <a:fontRef idx="minor"/>
+        <a:fontRef idx="minor">
+          <a:schemeClr val="lt1"/>
+        </a:fontRef>
       </dsp:style>
       <dsp:txBody>
-        <a:bodyPr spcFirstLastPara="0" vert="horz" wrap="square" lIns="129540" tIns="129540" rIns="129540" bIns="129540" numCol="1" spcCol="1270" anchor="ctr" anchorCtr="0">
+        <a:bodyPr spcFirstLastPara="0" vert="horz" wrap="square" lIns="156464" tIns="156464" rIns="156464" bIns="156464" numCol="1" spcCol="1270" anchor="ctr" anchorCtr="0">
           <a:noAutofit/>
         </a:bodyPr>
         <a:lstStyle/>
         <a:p>
-          <a:pPr marL="0" lvl="0" indent="0" algn="ctr" defTabSz="1511300">
+          <a:pPr marL="0" lvl="0" indent="0" algn="ctr" defTabSz="977900">
             <a:lnSpc>
               <a:spcPct val="90000"/>
             </a:lnSpc>
@@ -4488,23 +4696,39 @@
             <a:buNone/>
           </a:pPr>
           <a:r>
-            <a:rPr lang="hu-HU" sz="3400" b="0" i="0" kern="1200" baseline="0"/>
-            <a:t>A posts.user_id mező </a:t>
+            <a:rPr lang="hu-HU" sz="2200" b="0" i="0" kern="1200" baseline="0" dirty="0"/>
+            <a:t>Egy felhasználó több bejegyzést is írhat → </a:t>
           </a:r>
           <a:r>
-            <a:rPr lang="hu-HU" sz="3400" b="1" i="0" kern="1200" baseline="0"/>
-            <a:t>idegen kulcs</a:t>
+            <a:rPr lang="hu-HU" sz="2200" b="1" i="0" kern="1200" baseline="0" dirty="0"/>
+            <a:t>1:N kapcsolat</a:t>
           </a:r>
           <a:r>
-            <a:rPr lang="hu-HU" sz="3400" b="0" i="0" kern="1200" baseline="0"/>
-            <a:t>, amely a users.id mezőre hivatko</a:t>
+            <a:rPr lang="hu-HU" sz="2200" b="0" i="0" kern="1200" baseline="0" dirty="0"/>
+            <a:t> a </a:t>
           </a:r>
-          <a:endParaRPr lang="en-US" sz="3400" kern="1200"/>
+          <a:r>
+            <a:rPr lang="hu-HU" sz="2200" b="0" i="0" kern="1200" baseline="0" dirty="0" err="1"/>
+            <a:t>users</a:t>
+          </a:r>
+          <a:r>
+            <a:rPr lang="hu-HU" sz="2200" b="0" i="0" kern="1200" baseline="0" dirty="0"/>
+            <a:t> és </a:t>
+          </a:r>
+          <a:r>
+            <a:rPr lang="hu-HU" sz="2200" b="0" i="0" kern="1200" baseline="0" dirty="0" err="1"/>
+            <a:t>posts</a:t>
+          </a:r>
+          <a:r>
+            <a:rPr lang="hu-HU" sz="2200" b="0" i="0" kern="1200" baseline="0" dirty="0"/>
+            <a:t> táblák között.</a:t>
+          </a:r>
+          <a:endParaRPr lang="en-US" sz="2200" kern="1200" dirty="0"/>
         </a:p>
       </dsp:txBody>
-      <dsp:txXfrm>
-        <a:off x="5907770" y="521673"/>
-        <a:ext cx="4037829" cy="2507082"/>
+      <dsp:txXfrm rot="10800000">
+        <a:off x="0" y="932"/>
+        <a:ext cx="6151562" cy="1302901"/>
       </dsp:txXfrm>
     </dsp:sp>
   </dsp:spTree>
@@ -5547,17 +5771,24 @@
 </file>
 
 <file path=ppt/diagrams/layout2.xml><?xml version="1.0" encoding="utf-8"?>
-<dgm:layoutDef xmlns:dgm="http://schemas.openxmlformats.org/drawingml/2006/diagram" xmlns:a="http://schemas.openxmlformats.org/drawingml/2006/main" uniqueId="urn:microsoft.com/office/officeart/2005/8/layout/hierarchy1">
+<dgm:layoutDef xmlns:dgm="http://schemas.openxmlformats.org/drawingml/2006/diagram" xmlns:a="http://schemas.openxmlformats.org/drawingml/2006/main" uniqueId="urn:microsoft.com/office/officeart/2005/8/layout/process4">
   <dgm:title val=""/>
   <dgm:desc val=""/>
   <dgm:catLst>
-    <dgm:cat type="hierarchy" pri="2000"/>
+    <dgm:cat type="process" pri="16000"/>
+    <dgm:cat type="list" pri="20000"/>
   </dgm:catLst>
   <dgm:sampData>
     <dgm:dataModel>
       <dgm:ptLst>
         <dgm:pt modelId="0" type="doc"/>
         <dgm:pt modelId="1">
+          <dgm:prSet phldr="1"/>
+        </dgm:pt>
+        <dgm:pt modelId="11">
+          <dgm:prSet phldr="1"/>
+        </dgm:pt>
+        <dgm:pt modelId="12">
           <dgm:prSet phldr="1"/>
         </dgm:pt>
         <dgm:pt modelId="2">
@@ -5575,14 +5806,20 @@
         <dgm:pt modelId="31">
           <dgm:prSet phldr="1"/>
         </dgm:pt>
+        <dgm:pt modelId="32">
+          <dgm:prSet phldr="1"/>
+        </dgm:pt>
       </dgm:ptLst>
       <dgm:cxnLst>
         <dgm:cxn modelId="4" srcId="0" destId="1" srcOrd="0" destOrd="0"/>
-        <dgm:cxn modelId="5" srcId="1" destId="2" srcOrd="0" destOrd="0"/>
-        <dgm:cxn modelId="6" srcId="1" destId="3" srcOrd="1" destOrd="0"/>
+        <dgm:cxn modelId="5" srcId="0" destId="2" srcOrd="1" destOrd="0"/>
+        <dgm:cxn modelId="6" srcId="0" destId="3" srcOrd="2" destOrd="0"/>
+        <dgm:cxn modelId="13" srcId="1" destId="11" srcOrd="0" destOrd="0"/>
+        <dgm:cxn modelId="14" srcId="1" destId="12" srcOrd="1" destOrd="0"/>
         <dgm:cxn modelId="23" srcId="2" destId="21" srcOrd="0" destOrd="0"/>
         <dgm:cxn modelId="24" srcId="2" destId="22" srcOrd="1" destOrd="0"/>
         <dgm:cxn modelId="33" srcId="3" destId="31" srcOrd="0" destOrd="0"/>
+        <dgm:cxn modelId="34" srcId="3" destId="32" srcOrd="1" destOrd="0"/>
       </dgm:cxnLst>
       <dgm:bg/>
       <dgm:whole/>
@@ -5594,12 +5831,14 @@
         <dgm:pt modelId="0" type="doc"/>
         <dgm:pt modelId="1"/>
         <dgm:pt modelId="11"/>
-        <dgm:pt modelId="12"/>
+        <dgm:pt modelId="2"/>
+        <dgm:pt modelId="21"/>
       </dgm:ptLst>
       <dgm:cxnLst>
-        <dgm:cxn modelId="2" srcId="0" destId="1" srcOrd="0" destOrd="0"/>
+        <dgm:cxn modelId="4" srcId="0" destId="1" srcOrd="0" destOrd="0"/>
+        <dgm:cxn modelId="5" srcId="0" destId="2" srcOrd="1" destOrd="0"/>
         <dgm:cxn modelId="13" srcId="1" destId="11" srcOrd="0" destOrd="0"/>
-        <dgm:cxn modelId="14" srcId="1" destId="12" srcOrd="1" destOrd="0"/>
+        <dgm:cxn modelId="23" srcId="2" destId="21" srcOrd="0" destOrd="0"/>
       </dgm:cxnLst>
       <dgm:bg/>
       <dgm:whole/>
@@ -5610,498 +5849,273 @@
       <dgm:ptLst>
         <dgm:pt modelId="0" type="doc"/>
         <dgm:pt modelId="1"/>
+        <dgm:pt modelId="11"/>
         <dgm:pt modelId="2"/>
         <dgm:pt modelId="21"/>
-        <dgm:pt modelId="211"/>
         <dgm:pt modelId="3"/>
         <dgm:pt modelId="31"/>
-        <dgm:pt modelId="311"/>
+        <dgm:pt modelId="4"/>
+        <dgm:pt modelId="41"/>
       </dgm:ptLst>
       <dgm:cxnLst>
-        <dgm:cxn modelId="4" srcId="0" destId="1" srcOrd="0" destOrd="0"/>
-        <dgm:cxn modelId="5" srcId="1" destId="2" srcOrd="0" destOrd="0"/>
-        <dgm:cxn modelId="6" srcId="1" destId="3" srcOrd="1" destOrd="0"/>
+        <dgm:cxn modelId="5" srcId="0" destId="1" srcOrd="0" destOrd="0"/>
+        <dgm:cxn modelId="6" srcId="0" destId="2" srcOrd="1" destOrd="0"/>
+        <dgm:cxn modelId="7" srcId="0" destId="3" srcOrd="2" destOrd="0"/>
+        <dgm:cxn modelId="8" srcId="0" destId="4" srcOrd="3" destOrd="0"/>
+        <dgm:cxn modelId="13" srcId="1" destId="11" srcOrd="0" destOrd="0"/>
         <dgm:cxn modelId="23" srcId="2" destId="21" srcOrd="0" destOrd="0"/>
-        <dgm:cxn modelId="24" srcId="21" destId="211" srcOrd="0" destOrd="0"/>
         <dgm:cxn modelId="33" srcId="3" destId="31" srcOrd="0" destOrd="0"/>
-        <dgm:cxn modelId="34" srcId="31" destId="311" srcOrd="0" destOrd="0"/>
+        <dgm:cxn modelId="43" srcId="4" destId="41" srcOrd="0" destOrd="0"/>
       </dgm:cxnLst>
       <dgm:bg/>
       <dgm:whole/>
     </dgm:dataModel>
   </dgm:clrData>
-  <dgm:layoutNode name="hierChild1">
+  <dgm:layoutNode name="Name0">
     <dgm:varLst>
-      <dgm:chPref val="1"/>
       <dgm:dir/>
-      <dgm:animOne val="branch"/>
       <dgm:animLvl val="lvl"/>
-      <dgm:resizeHandles/>
+      <dgm:resizeHandles val="exact"/>
     </dgm:varLst>
-    <dgm:choose name="Name0">
-      <dgm:if name="Name1" func="var" arg="dir" op="equ" val="norm">
-        <dgm:alg type="hierChild">
-          <dgm:param type="linDir" val="fromL"/>
-        </dgm:alg>
-      </dgm:if>
-      <dgm:else name="Name2">
-        <dgm:alg type="hierChild">
-          <dgm:param type="linDir" val="fromR"/>
-        </dgm:alg>
-      </dgm:else>
-    </dgm:choose>
+    <dgm:alg type="lin">
+      <dgm:param type="linDir" val="fromB"/>
+    </dgm:alg>
     <dgm:shape xmlns:r="http://schemas.openxmlformats.org/officeDocument/2006/relationships" r:blip="">
       <dgm:adjLst/>
     </dgm:shape>
     <dgm:presOf/>
     <dgm:constrLst>
-      <dgm:constr type="primFontSz" for="des" ptType="node" op="equ" val="65"/>
-      <dgm:constr type="w" for="des" forName="composite" refType="w"/>
-      <dgm:constr type="h" for="des" forName="composite" refType="w" refFor="des" refForName="composite" fact="0.667"/>
-      <dgm:constr type="w" for="des" forName="composite2" refType="w" refFor="des" refForName="composite"/>
-      <dgm:constr type="h" for="des" forName="composite2" refType="h" refFor="des" refForName="composite"/>
-      <dgm:constr type="w" for="des" forName="composite3" refType="w" refFor="des" refForName="composite"/>
-      <dgm:constr type="h" for="des" forName="composite3" refType="h" refFor="des" refForName="composite"/>
-      <dgm:constr type="w" for="des" forName="composite4" refType="w" refFor="des" refForName="composite"/>
-      <dgm:constr type="h" for="des" forName="composite4" refType="h" refFor="des" refForName="composite"/>
-      <dgm:constr type="w" for="des" forName="composite5" refType="w" refFor="des" refForName="composite"/>
-      <dgm:constr type="h" for="des" forName="composite5" refType="h" refFor="des" refForName="composite"/>
-      <dgm:constr type="sibSp" refType="w" refFor="des" refForName="composite" fact="0.1"/>
-      <dgm:constr type="sibSp" for="des" forName="hierChild2" refType="sibSp"/>
-      <dgm:constr type="sibSp" for="des" forName="hierChild3" refType="sibSp"/>
-      <dgm:constr type="sibSp" for="des" forName="hierChild4" refType="sibSp"/>
-      <dgm:constr type="sibSp" for="des" forName="hierChild5" refType="sibSp"/>
-      <dgm:constr type="sibSp" for="des" forName="hierChild6" refType="sibSp"/>
-      <dgm:constr type="sp" for="des" forName="hierRoot1" refType="h" refFor="des" refForName="composite" fact="0.25"/>
-      <dgm:constr type="sp" for="des" forName="hierRoot2" refType="sp" refFor="des" refForName="hierRoot1"/>
-      <dgm:constr type="sp" for="des" forName="hierRoot3" refType="sp" refFor="des" refForName="hierRoot1"/>
-      <dgm:constr type="sp" for="des" forName="hierRoot4" refType="sp" refFor="des" refForName="hierRoot1"/>
-      <dgm:constr type="sp" for="des" forName="hierRoot5" refType="sp" refFor="des" refForName="hierRoot1"/>
+      <dgm:constr type="h" for="ch" forName="boxAndChildren" refType="h"/>
+      <dgm:constr type="h" for="ch" forName="arrowAndChildren" refType="h" refFor="ch" refForName="boxAndChildren" op="equ" fact="1.538"/>
+      <dgm:constr type="w" for="ch" forName="arrowAndChildren" refType="w"/>
+      <dgm:constr type="w" for="ch" forName="boxAndChildren" refType="w"/>
+      <dgm:constr type="h" for="ch" forName="sp" refType="h" fact="-0.015"/>
+      <dgm:constr type="primFontSz" for="des" forName="parentTextBox" val="65"/>
+      <dgm:constr type="primFontSz" for="des" forName="parentTextArrow" refType="primFontSz" refFor="des" refForName="parentTextBox" op="equ"/>
+      <dgm:constr type="primFontSz" for="des" forName="childTextArrow" val="65"/>
+      <dgm:constr type="primFontSz" for="des" forName="childTextBox" refType="primFontSz" refFor="des" refForName="childTextArrow" op="equ"/>
     </dgm:constrLst>
     <dgm:ruleLst/>
-    <dgm:forEach name="Name3" axis="ch">
-      <dgm:forEach name="Name4" axis="self" ptType="node">
-        <dgm:layoutNode name="hierRoot1">
-          <dgm:alg type="hierRoot"/>
-          <dgm:shape xmlns:r="http://schemas.openxmlformats.org/officeDocument/2006/relationships" r:blip="">
-            <dgm:adjLst/>
-          </dgm:shape>
-          <dgm:presOf/>
-          <dgm:constrLst>
-            <dgm:constr type="bendDist" for="des" ptType="parTrans" refType="sp" fact="0.5"/>
-          </dgm:constrLst>
-          <dgm:ruleLst/>
-          <dgm:layoutNode name="composite">
+    <dgm:forEach name="Name1" axis="ch" ptType="node" st="-1" step="-1">
+      <dgm:choose name="Name2">
+        <dgm:if name="Name3" axis="self" ptType="node" func="revPos" op="equ" val="1">
+          <dgm:layoutNode name="boxAndChildren">
             <dgm:alg type="composite"/>
             <dgm:shape xmlns:r="http://schemas.openxmlformats.org/officeDocument/2006/relationships" r:blip="">
               <dgm:adjLst/>
             </dgm:shape>
             <dgm:presOf/>
-            <dgm:constrLst>
-              <dgm:constr type="w" for="ch" forName="background" refType="w" fact="0.9"/>
-              <dgm:constr type="h" for="ch" forName="background" refType="w" refFor="ch" refForName="background" fact="0.635"/>
-              <dgm:constr type="t" for="ch" forName="background"/>
-              <dgm:constr type="l" for="ch" forName="background"/>
-              <dgm:constr type="w" for="ch" forName="text" refType="w" fact="0.9"/>
-              <dgm:constr type="h" for="ch" forName="text" refType="w" refFor="ch" refForName="text" fact="0.635"/>
-              <dgm:constr type="t" for="ch" forName="text" refType="w" fact="0.095"/>
-              <dgm:constr type="l" for="ch" forName="text" refType="w" fact="0.1"/>
-            </dgm:constrLst>
+            <dgm:choose name="Name4">
+              <dgm:if name="Name5" axis="ch" ptType="node" func="cnt" op="gte" val="1">
+                <dgm:constrLst>
+                  <dgm:constr type="w" for="ch" forName="parentTextBox" refType="w"/>
+                  <dgm:constr type="h" for="ch" forName="parentTextBox" refType="h" fact="0.54"/>
+                  <dgm:constr type="t" for="ch" forName="parentTextBox"/>
+                  <dgm:constr type="w" for="ch" forName="entireBox" refType="w"/>
+                  <dgm:constr type="h" for="ch" forName="entireBox" refType="h"/>
+                  <dgm:constr type="w" for="ch" forName="descendantBox" refType="w"/>
+                  <dgm:constr type="b" for="ch" forName="descendantBox" refType="h" fact="0.98"/>
+                  <dgm:constr type="h" for="ch" forName="descendantBox" refType="h" fact="0.46"/>
+                </dgm:constrLst>
+              </dgm:if>
+              <dgm:else name="Name6">
+                <dgm:constrLst>
+                  <dgm:constr type="w" for="ch" forName="parentTextBox" refType="w"/>
+                  <dgm:constr type="h" for="ch" forName="parentTextBox" refType="h"/>
+                </dgm:constrLst>
+              </dgm:else>
+            </dgm:choose>
             <dgm:ruleLst/>
-            <dgm:layoutNode name="background" styleLbl="node0" moveWith="text">
-              <dgm:alg type="sp"/>
-              <dgm:shape xmlns:r="http://schemas.openxmlformats.org/officeDocument/2006/relationships" type="roundRect" r:blip="">
-                <dgm:adjLst>
-                  <dgm:adj idx="1" val="0.1"/>
-                </dgm:adjLst>
-              </dgm:shape>
-              <dgm:presOf/>
+            <dgm:layoutNode name="parentTextBox">
+              <dgm:alg type="tx"/>
+              <dgm:choose name="Name7">
+                <dgm:if name="Name8" axis="ch" ptType="node" func="cnt" op="gte" val="1">
+                  <dgm:shape xmlns:r="http://schemas.openxmlformats.org/officeDocument/2006/relationships" type="rect" r:blip="" zOrderOff="1" hideGeom="1">
+                    <dgm:adjLst/>
+                  </dgm:shape>
+                </dgm:if>
+                <dgm:else name="Name9">
+                  <dgm:shape xmlns:r="http://schemas.openxmlformats.org/officeDocument/2006/relationships" type="rect" r:blip="">
+                    <dgm:adjLst/>
+                  </dgm:shape>
+                </dgm:else>
+              </dgm:choose>
+              <dgm:presOf axis="self"/>
               <dgm:constrLst/>
-              <dgm:ruleLst/>
-            </dgm:layoutNode>
-            <dgm:layoutNode name="text" styleLbl="fgAcc0">
-              <dgm:varLst>
-                <dgm:chPref val="3"/>
-              </dgm:varLst>
-              <dgm:alg type="tx"/>
-              <dgm:shape xmlns:r="http://schemas.openxmlformats.org/officeDocument/2006/relationships" type="roundRect" r:blip="">
-                <dgm:adjLst>
-                  <dgm:adj idx="1" val="0.1"/>
-                </dgm:adjLst>
-              </dgm:shape>
-              <dgm:presOf axis="self"/>
-              <dgm:constrLst>
-                <dgm:constr type="tMarg" refType="primFontSz" fact="0.3"/>
-                <dgm:constr type="bMarg" refType="primFontSz" fact="0.3"/>
-                <dgm:constr type="lMarg" refType="primFontSz" fact="0.3"/>
-                <dgm:constr type="rMarg" refType="primFontSz" fact="0.3"/>
-              </dgm:constrLst>
               <dgm:ruleLst>
                 <dgm:rule type="primFontSz" val="5" fact="NaN" max="NaN"/>
               </dgm:ruleLst>
             </dgm:layoutNode>
-          </dgm:layoutNode>
-          <dgm:layoutNode name="hierChild2">
-            <dgm:choose name="Name5">
-              <dgm:if name="Name6" func="var" arg="dir" op="equ" val="norm">
-                <dgm:alg type="hierChild">
-                  <dgm:param type="linDir" val="fromL"/>
-                </dgm:alg>
-              </dgm:if>
-              <dgm:else name="Name7">
-                <dgm:alg type="hierChild">
-                  <dgm:param type="linDir" val="fromR"/>
-                </dgm:alg>
-              </dgm:else>
-            </dgm:choose>
-            <dgm:shape xmlns:r="http://schemas.openxmlformats.org/officeDocument/2006/relationships" r:blip="">
-              <dgm:adjLst/>
-            </dgm:shape>
-            <dgm:presOf/>
-            <dgm:constrLst/>
-            <dgm:ruleLst/>
-            <dgm:forEach name="Name8" axis="ch">
-              <dgm:forEach name="Name9" axis="self" ptType="parTrans" cnt="1">
-                <dgm:layoutNode name="Name10">
-                  <dgm:alg type="conn">
-                    <dgm:param type="dim" val="1D"/>
-                    <dgm:param type="endSty" val="noArr"/>
-                    <dgm:param type="connRout" val="bend"/>
-                    <dgm:param type="bendPt" val="end"/>
-                    <dgm:param type="begPts" val="bCtr"/>
-                    <dgm:param type="endPts" val="tCtr"/>
-                    <dgm:param type="srcNode" val="background"/>
-                    <dgm:param type="dstNode" val="background2"/>
-                  </dgm:alg>
-                  <dgm:shape xmlns:r="http://schemas.openxmlformats.org/officeDocument/2006/relationships" type="conn" r:blip="" zOrderOff="-999">
+            <dgm:choose name="Name10">
+              <dgm:if name="Name11" axis="ch" ptType="node" func="cnt" op="gte" val="1">
+                <dgm:layoutNode name="entireBox">
+                  <dgm:alg type="sp"/>
+                  <dgm:shape xmlns:r="http://schemas.openxmlformats.org/officeDocument/2006/relationships" type="rect" r:blip="">
                     <dgm:adjLst/>
                   </dgm:shape>
                   <dgm:presOf axis="self"/>
-                  <dgm:constrLst>
-                    <dgm:constr type="begPad"/>
-                    <dgm:constr type="endPad"/>
-                  </dgm:constrLst>
+                  <dgm:constrLst/>
                   <dgm:ruleLst/>
                 </dgm:layoutNode>
-              </dgm:forEach>
-              <dgm:forEach name="Name11" axis="self" ptType="node">
-                <dgm:layoutNode name="hierRoot2">
-                  <dgm:alg type="hierRoot"/>
+                <dgm:layoutNode name="descendantBox" styleLbl="fgAccFollowNode1">
+                  <dgm:choose name="Name12">
+                    <dgm:if name="Name13" func="var" arg="dir" op="equ" val="norm">
+                      <dgm:alg type="lin"/>
+                    </dgm:if>
+                    <dgm:else name="Name14">
+                      <dgm:alg type="lin">
+                        <dgm:param type="linDir" val="fromR"/>
+                      </dgm:alg>
+                    </dgm:else>
+                  </dgm:choose>
                   <dgm:shape xmlns:r="http://schemas.openxmlformats.org/officeDocument/2006/relationships" r:blip="">
                     <dgm:adjLst/>
                   </dgm:shape>
                   <dgm:presOf/>
                   <dgm:constrLst>
-                    <dgm:constr type="bendDist" for="des" ptType="parTrans" refType="sp" fact="0.5"/>
+                    <dgm:constr type="w" for="ch" forName="childTextBox" refType="w"/>
+                    <dgm:constr type="h" for="ch" forName="childTextBox" refType="h"/>
                   </dgm:constrLst>
                   <dgm:ruleLst/>
-                  <dgm:layoutNode name="composite2">
-                    <dgm:alg type="composite"/>
-                    <dgm:shape xmlns:r="http://schemas.openxmlformats.org/officeDocument/2006/relationships" r:blip="">
-                      <dgm:adjLst/>
-                    </dgm:shape>
-                    <dgm:presOf/>
-                    <dgm:constrLst>
-                      <dgm:constr type="w" for="ch" forName="background2" refType="w" fact="0.9"/>
-                      <dgm:constr type="h" for="ch" forName="background2" refType="w" refFor="ch" refForName="background2" fact="0.635"/>
-                      <dgm:constr type="t" for="ch" forName="background2"/>
-                      <dgm:constr type="l" for="ch" forName="background2"/>
-                      <dgm:constr type="w" for="ch" forName="text2" refType="w" fact="0.9"/>
-                      <dgm:constr type="h" for="ch" forName="text2" refType="w" refFor="ch" refForName="text2" fact="0.635"/>
-                      <dgm:constr type="t" for="ch" forName="text2" refType="w" fact="0.095"/>
-                      <dgm:constr type="l" for="ch" forName="text2" refType="w" fact="0.1"/>
-                    </dgm:constrLst>
-                    <dgm:ruleLst/>
-                    <dgm:layoutNode name="background2" moveWith="text2">
-                      <dgm:alg type="sp"/>
-                      <dgm:shape xmlns:r="http://schemas.openxmlformats.org/officeDocument/2006/relationships" type="roundRect" r:blip="">
-                        <dgm:adjLst>
-                          <dgm:adj idx="1" val="0.1"/>
-                        </dgm:adjLst>
-                      </dgm:shape>
-                      <dgm:presOf/>
-                      <dgm:constrLst/>
-                      <dgm:ruleLst/>
-                    </dgm:layoutNode>
-                    <dgm:layoutNode name="text2" styleLbl="fgAcc2">
+                  <dgm:forEach name="Name15" axis="ch" ptType="node">
+                    <dgm:layoutNode name="childTextBox" styleLbl="fgAccFollowNode1">
                       <dgm:varLst>
-                        <dgm:chPref val="3"/>
+                        <dgm:bulletEnabled val="1"/>
                       </dgm:varLst>
                       <dgm:alg type="tx"/>
-                      <dgm:shape xmlns:r="http://schemas.openxmlformats.org/officeDocument/2006/relationships" type="roundRect" r:blip="">
-                        <dgm:adjLst>
-                          <dgm:adj idx="1" val="0.1"/>
-                        </dgm:adjLst>
+                      <dgm:shape xmlns:r="http://schemas.openxmlformats.org/officeDocument/2006/relationships" type="rect" r:blip="">
+                        <dgm:adjLst/>
                       </dgm:shape>
-                      <dgm:presOf axis="self"/>
+                      <dgm:presOf axis="desOrSelf" ptType="node"/>
                       <dgm:constrLst>
-                        <dgm:constr type="tMarg" refType="primFontSz" fact="0.3"/>
-                        <dgm:constr type="bMarg" refType="primFontSz" fact="0.3"/>
-                        <dgm:constr type="lMarg" refType="primFontSz" fact="0.3"/>
-                        <dgm:constr type="rMarg" refType="primFontSz" fact="0.3"/>
+                        <dgm:constr type="tMarg" refType="primFontSz" fact="0.1"/>
+                        <dgm:constr type="bMarg" refType="primFontSz" fact="0.1"/>
                       </dgm:constrLst>
                       <dgm:ruleLst>
                         <dgm:rule type="primFontSz" val="5" fact="NaN" max="NaN"/>
                       </dgm:ruleLst>
                     </dgm:layoutNode>
-                  </dgm:layoutNode>
-                  <dgm:layoutNode name="hierChild3">
-                    <dgm:choose name="Name12">
-                      <dgm:if name="Name13" func="var" arg="dir" op="equ" val="norm">
-                        <dgm:alg type="hierChild">
-                          <dgm:param type="linDir" val="fromL"/>
-                        </dgm:alg>
-                      </dgm:if>
-                      <dgm:else name="Name14">
-                        <dgm:alg type="hierChild">
-                          <dgm:param type="linDir" val="fromR"/>
-                        </dgm:alg>
-                      </dgm:else>
-                    </dgm:choose>
-                    <dgm:shape xmlns:r="http://schemas.openxmlformats.org/officeDocument/2006/relationships" r:blip="">
-                      <dgm:adjLst/>
-                    </dgm:shape>
-                    <dgm:presOf/>
-                    <dgm:constrLst/>
-                    <dgm:ruleLst/>
-                    <dgm:forEach name="Name15" axis="ch">
-                      <dgm:forEach name="Name16" axis="self" ptType="parTrans" cnt="1">
-                        <dgm:layoutNode name="Name17">
-                          <dgm:alg type="conn">
-                            <dgm:param type="dim" val="1D"/>
-                            <dgm:param type="endSty" val="noArr"/>
-                            <dgm:param type="connRout" val="bend"/>
-                            <dgm:param type="bendPt" val="end"/>
-                            <dgm:param type="begPts" val="bCtr"/>
-                            <dgm:param type="endPts" val="tCtr"/>
-                            <dgm:param type="srcNode" val="background2"/>
-                            <dgm:param type="dstNode" val="background3"/>
-                          </dgm:alg>
-                          <dgm:shape xmlns:r="http://schemas.openxmlformats.org/officeDocument/2006/relationships" type="conn" r:blip="" zOrderOff="-999">
-                            <dgm:adjLst/>
-                          </dgm:shape>
-                          <dgm:presOf axis="self"/>
-                          <dgm:constrLst>
-                            <dgm:constr type="begPad"/>
-                            <dgm:constr type="endPad"/>
-                          </dgm:constrLst>
-                          <dgm:ruleLst/>
-                        </dgm:layoutNode>
-                      </dgm:forEach>
-                      <dgm:forEach name="Name18" axis="self" ptType="node">
-                        <dgm:layoutNode name="hierRoot3">
-                          <dgm:alg type="hierRoot"/>
-                          <dgm:shape xmlns:r="http://schemas.openxmlformats.org/officeDocument/2006/relationships" r:blip="">
-                            <dgm:adjLst/>
-                          </dgm:shape>
-                          <dgm:presOf/>
-                          <dgm:constrLst>
-                            <dgm:constr type="bendDist" for="des" ptType="parTrans" refType="sp" fact="0.5"/>
-                          </dgm:constrLst>
-                          <dgm:ruleLst/>
-                          <dgm:layoutNode name="composite3">
-                            <dgm:alg type="composite"/>
-                            <dgm:shape xmlns:r="http://schemas.openxmlformats.org/officeDocument/2006/relationships" r:blip="">
-                              <dgm:adjLst/>
-                            </dgm:shape>
-                            <dgm:presOf/>
-                            <dgm:constrLst>
-                              <dgm:constr type="w" for="ch" forName="background3" refType="w" fact="0.9"/>
-                              <dgm:constr type="h" for="ch" forName="background3" refType="w" refFor="ch" refForName="background3" fact="0.635"/>
-                              <dgm:constr type="t" for="ch" forName="background3"/>
-                              <dgm:constr type="l" for="ch" forName="background3"/>
-                              <dgm:constr type="w" for="ch" forName="text3" refType="w" fact="0.9"/>
-                              <dgm:constr type="h" for="ch" forName="text3" refType="w" refFor="ch" refForName="text3" fact="0.635"/>
-                              <dgm:constr type="t" for="ch" forName="text3" refType="w" fact="0.095"/>
-                              <dgm:constr type="l" for="ch" forName="text3" refType="w" fact="0.1"/>
-                            </dgm:constrLst>
-                            <dgm:ruleLst/>
-                            <dgm:layoutNode name="background3" moveWith="text3">
-                              <dgm:alg type="sp"/>
-                              <dgm:shape xmlns:r="http://schemas.openxmlformats.org/officeDocument/2006/relationships" type="roundRect" r:blip="">
-                                <dgm:adjLst>
-                                  <dgm:adj idx="1" val="0.1"/>
-                                </dgm:adjLst>
-                              </dgm:shape>
-                              <dgm:presOf/>
-                              <dgm:constrLst/>
-                              <dgm:ruleLst/>
-                            </dgm:layoutNode>
-                            <dgm:layoutNode name="text3" styleLbl="fgAcc3">
-                              <dgm:varLst>
-                                <dgm:chPref val="3"/>
-                              </dgm:varLst>
-                              <dgm:alg type="tx"/>
-                              <dgm:shape xmlns:r="http://schemas.openxmlformats.org/officeDocument/2006/relationships" type="roundRect" r:blip="">
-                                <dgm:adjLst>
-                                  <dgm:adj idx="1" val="0.1"/>
-                                </dgm:adjLst>
-                              </dgm:shape>
-                              <dgm:presOf axis="self"/>
-                              <dgm:constrLst>
-                                <dgm:constr type="tMarg" refType="primFontSz" fact="0.3"/>
-                                <dgm:constr type="bMarg" refType="primFontSz" fact="0.3"/>
-                                <dgm:constr type="lMarg" refType="primFontSz" fact="0.3"/>
-                                <dgm:constr type="rMarg" refType="primFontSz" fact="0.3"/>
-                              </dgm:constrLst>
-                              <dgm:ruleLst>
-                                <dgm:rule type="primFontSz" val="5" fact="NaN" max="NaN"/>
-                              </dgm:ruleLst>
-                            </dgm:layoutNode>
-                          </dgm:layoutNode>
-                          <dgm:layoutNode name="hierChild4">
-                            <dgm:choose name="Name19">
-                              <dgm:if name="Name20" func="var" arg="dir" op="equ" val="norm">
-                                <dgm:alg type="hierChild">
-                                  <dgm:param type="linDir" val="fromL"/>
-                                </dgm:alg>
-                              </dgm:if>
-                              <dgm:else name="Name21">
-                                <dgm:alg type="hierChild">
-                                  <dgm:param type="linDir" val="fromR"/>
-                                </dgm:alg>
-                              </dgm:else>
-                            </dgm:choose>
-                            <dgm:shape xmlns:r="http://schemas.openxmlformats.org/officeDocument/2006/relationships" r:blip="">
-                              <dgm:adjLst/>
-                            </dgm:shape>
-                            <dgm:presOf/>
-                            <dgm:constrLst/>
-                            <dgm:ruleLst/>
-                            <dgm:forEach name="repeat" axis="ch">
-                              <dgm:forEach name="Name22" axis="self" ptType="parTrans" cnt="1">
-                                <dgm:layoutNode name="Name23">
-                                  <dgm:choose name="Name24">
-                                    <dgm:if name="Name25" axis="self" func="depth" op="lte" val="4">
-                                      <dgm:alg type="conn">
-                                        <dgm:param type="dim" val="1D"/>
-                                        <dgm:param type="endSty" val="noArr"/>
-                                        <dgm:param type="connRout" val="bend"/>
-                                        <dgm:param type="bendPt" val="end"/>
-                                        <dgm:param type="begPts" val="bCtr"/>
-                                        <dgm:param type="endPts" val="tCtr"/>
-                                        <dgm:param type="srcNode" val="background3"/>
-                                        <dgm:param type="dstNode" val="background4"/>
-                                      </dgm:alg>
-                                    </dgm:if>
-                                    <dgm:else name="Name26">
-                                      <dgm:alg type="conn">
-                                        <dgm:param type="dim" val="1D"/>
-                                        <dgm:param type="endSty" val="noArr"/>
-                                        <dgm:param type="connRout" val="bend"/>
-                                        <dgm:param type="bendPt" val="end"/>
-                                        <dgm:param type="begPts" val="bCtr"/>
-                                        <dgm:param type="endPts" val="tCtr"/>
-                                        <dgm:param type="srcNode" val="background4"/>
-                                        <dgm:param type="dstNode" val="background4"/>
-                                      </dgm:alg>
-                                    </dgm:else>
-                                  </dgm:choose>
-                                  <dgm:shape xmlns:r="http://schemas.openxmlformats.org/officeDocument/2006/relationships" type="conn" r:blip="" zOrderOff="-999">
-                                    <dgm:adjLst/>
-                                  </dgm:shape>
-                                  <dgm:presOf axis="self"/>
-                                  <dgm:constrLst>
-                                    <dgm:constr type="begPad"/>
-                                    <dgm:constr type="endPad"/>
-                                  </dgm:constrLst>
-                                  <dgm:ruleLst/>
-                                </dgm:layoutNode>
-                              </dgm:forEach>
-                              <dgm:forEach name="Name27" axis="self" ptType="node">
-                                <dgm:layoutNode name="hierRoot4">
-                                  <dgm:alg type="hierRoot"/>
-                                  <dgm:shape xmlns:r="http://schemas.openxmlformats.org/officeDocument/2006/relationships" r:blip="">
-                                    <dgm:adjLst/>
-                                  </dgm:shape>
-                                  <dgm:presOf/>
-                                  <dgm:constrLst>
-                                    <dgm:constr type="bendDist" for="des" ptType="parTrans" refType="sp" fact="0.5"/>
-                                  </dgm:constrLst>
-                                  <dgm:ruleLst/>
-                                  <dgm:layoutNode name="composite4">
-                                    <dgm:alg type="composite"/>
-                                    <dgm:shape xmlns:r="http://schemas.openxmlformats.org/officeDocument/2006/relationships" r:blip="">
-                                      <dgm:adjLst/>
-                                    </dgm:shape>
-                                    <dgm:presOf/>
-                                    <dgm:constrLst>
-                                      <dgm:constr type="w" for="ch" forName="background4" refType="w" fact="0.9"/>
-                                      <dgm:constr type="h" for="ch" forName="background4" refType="w" refFor="ch" refForName="background4" fact="0.635"/>
-                                      <dgm:constr type="t" for="ch" forName="background4"/>
-                                      <dgm:constr type="l" for="ch" forName="background4"/>
-                                      <dgm:constr type="w" for="ch" forName="text4" refType="w" fact="0.9"/>
-                                      <dgm:constr type="h" for="ch" forName="text4" refType="w" refFor="ch" refForName="text4" fact="0.635"/>
-                                      <dgm:constr type="t" for="ch" forName="text4" refType="w" fact="0.095"/>
-                                      <dgm:constr type="l" for="ch" forName="text4" refType="w" fact="0.1"/>
-                                    </dgm:constrLst>
-                                    <dgm:ruleLst/>
-                                    <dgm:layoutNode name="background4" moveWith="text4">
-                                      <dgm:alg type="sp"/>
-                                      <dgm:shape xmlns:r="http://schemas.openxmlformats.org/officeDocument/2006/relationships" type="roundRect" r:blip="">
-                                        <dgm:adjLst>
-                                          <dgm:adj idx="1" val="0.1"/>
-                                        </dgm:adjLst>
-                                      </dgm:shape>
-                                      <dgm:presOf/>
-                                      <dgm:constrLst/>
-                                      <dgm:ruleLst/>
-                                    </dgm:layoutNode>
-                                    <dgm:layoutNode name="text4" styleLbl="fgAcc4">
-                                      <dgm:varLst>
-                                        <dgm:chPref val="3"/>
-                                      </dgm:varLst>
-                                      <dgm:alg type="tx"/>
-                                      <dgm:shape xmlns:r="http://schemas.openxmlformats.org/officeDocument/2006/relationships" type="roundRect" r:blip="">
-                                        <dgm:adjLst>
-                                          <dgm:adj idx="1" val="0.1"/>
-                                        </dgm:adjLst>
-                                      </dgm:shape>
-                                      <dgm:presOf axis="self"/>
-                                      <dgm:constrLst>
-                                        <dgm:constr type="tMarg" refType="primFontSz" fact="0.3"/>
-                                        <dgm:constr type="bMarg" refType="primFontSz" fact="0.3"/>
-                                        <dgm:constr type="lMarg" refType="primFontSz" fact="0.3"/>
-                                        <dgm:constr type="rMarg" refType="primFontSz" fact="0.3"/>
-                                      </dgm:constrLst>
-                                      <dgm:ruleLst>
-                                        <dgm:rule type="primFontSz" val="5" fact="NaN" max="NaN"/>
-                                      </dgm:ruleLst>
-                                    </dgm:layoutNode>
-                                  </dgm:layoutNode>
-                                  <dgm:layoutNode name="hierChild5">
-                                    <dgm:choose name="Name28">
-                                      <dgm:if name="Name29" func="var" arg="dir" op="equ" val="norm">
-                                        <dgm:alg type="hierChild">
-                                          <dgm:param type="linDir" val="fromL"/>
-                                        </dgm:alg>
-                                      </dgm:if>
-                                      <dgm:else name="Name30">
-                                        <dgm:alg type="hierChild">
-                                          <dgm:param type="linDir" val="fromR"/>
-                                        </dgm:alg>
-                                      </dgm:else>
-                                    </dgm:choose>
-                                    <dgm:shape xmlns:r="http://schemas.openxmlformats.org/officeDocument/2006/relationships" r:blip="">
-                                      <dgm:adjLst/>
-                                    </dgm:shape>
-                                    <dgm:presOf/>
-                                    <dgm:constrLst/>
-                                    <dgm:ruleLst/>
-                                    <dgm:forEach name="Name31" ref="repeat"/>
-                                  </dgm:layoutNode>
-                                </dgm:layoutNode>
-                              </dgm:forEach>
-                            </dgm:forEach>
-                          </dgm:layoutNode>
-                        </dgm:layoutNode>
-                      </dgm:forEach>
-                    </dgm:forEach>
-                  </dgm:layoutNode>
+                  </dgm:forEach>
                 </dgm:layoutNode>
-              </dgm:forEach>
-            </dgm:forEach>
+              </dgm:if>
+              <dgm:else name="Name16"/>
+            </dgm:choose>
           </dgm:layoutNode>
+        </dgm:if>
+        <dgm:else name="Name17">
+          <dgm:layoutNode name="arrowAndChildren">
+            <dgm:alg type="composite"/>
+            <dgm:shape xmlns:r="http://schemas.openxmlformats.org/officeDocument/2006/relationships" r:blip="">
+              <dgm:adjLst/>
+            </dgm:shape>
+            <dgm:presOf/>
+            <dgm:choose name="Name18">
+              <dgm:if name="Name19" axis="ch" ptType="node" func="cnt" op="gte" val="1">
+                <dgm:constrLst>
+                  <dgm:constr type="w" for="ch" forName="parentTextArrow" refType="w"/>
+                  <dgm:constr type="t" for="ch" forName="parentTextArrow"/>
+                  <dgm:constr type="h" for="ch" forName="parentTextArrow" refType="h" fact="0.351"/>
+                  <dgm:constr type="w" for="ch" forName="arrow" refType="w"/>
+                  <dgm:constr type="h" for="ch" forName="arrow" refType="h"/>
+                  <dgm:constr type="w" for="ch" forName="descendantArrow" refType="w"/>
+                  <dgm:constr type="b" for="ch" forName="descendantArrow" refType="h" fact="0.65"/>
+                  <dgm:constr type="h" for="ch" forName="descendantArrow" refType="h" fact="0.299"/>
+                </dgm:constrLst>
+              </dgm:if>
+              <dgm:else name="Name20">
+                <dgm:constrLst>
+                  <dgm:constr type="w" for="ch" forName="parentTextArrow" refType="w"/>
+                  <dgm:constr type="h" for="ch" forName="parentTextArrow" refType="h"/>
+                </dgm:constrLst>
+              </dgm:else>
+            </dgm:choose>
+            <dgm:ruleLst/>
+            <dgm:layoutNode name="parentTextArrow">
+              <dgm:alg type="tx"/>
+              <dgm:choose name="Name21">
+                <dgm:if name="Name22" axis="ch" ptType="node" func="cnt" op="gte" val="1">
+                  <dgm:shape xmlns:r="http://schemas.openxmlformats.org/officeDocument/2006/relationships" type="rect" r:blip="" zOrderOff="1" hideGeom="1">
+                    <dgm:adjLst/>
+                  </dgm:shape>
+                </dgm:if>
+                <dgm:else name="Name23">
+                  <dgm:shape xmlns:r="http://schemas.openxmlformats.org/officeDocument/2006/relationships" rot="180" type="upArrowCallout" r:blip="">
+                    <dgm:adjLst/>
+                  </dgm:shape>
+                </dgm:else>
+              </dgm:choose>
+              <dgm:presOf axis="self"/>
+              <dgm:constrLst/>
+              <dgm:ruleLst>
+                <dgm:rule type="primFontSz" val="5" fact="NaN" max="NaN"/>
+              </dgm:ruleLst>
+            </dgm:layoutNode>
+            <dgm:choose name="Name24">
+              <dgm:if name="Name25" axis="ch" ptType="node" func="cnt" op="gte" val="1">
+                <dgm:layoutNode name="arrow">
+                  <dgm:alg type="sp"/>
+                  <dgm:shape xmlns:r="http://schemas.openxmlformats.org/officeDocument/2006/relationships" rot="180" type="upArrowCallout" r:blip="">
+                    <dgm:adjLst/>
+                  </dgm:shape>
+                  <dgm:presOf axis="self"/>
+                  <dgm:constrLst/>
+                  <dgm:ruleLst/>
+                </dgm:layoutNode>
+                <dgm:layoutNode name="descendantArrow">
+                  <dgm:choose name="Name26">
+                    <dgm:if name="Name27" func="var" arg="dir" op="equ" val="norm">
+                      <dgm:alg type="lin"/>
+                    </dgm:if>
+                    <dgm:else name="Name28">
+                      <dgm:alg type="lin">
+                        <dgm:param type="linDir" val="fromR"/>
+                      </dgm:alg>
+                    </dgm:else>
+                  </dgm:choose>
+                  <dgm:shape xmlns:r="http://schemas.openxmlformats.org/officeDocument/2006/relationships" r:blip="">
+                    <dgm:adjLst/>
+                  </dgm:shape>
+                  <dgm:presOf/>
+                  <dgm:constrLst>
+                    <dgm:constr type="w" for="ch" forName="childTextArrow" refType="w"/>
+                    <dgm:constr type="h" for="ch" forName="childTextArrow" refType="h"/>
+                  </dgm:constrLst>
+                  <dgm:ruleLst/>
+                  <dgm:forEach name="Name29" axis="ch" ptType="node">
+                    <dgm:layoutNode name="childTextArrow" styleLbl="fgAccFollowNode1">
+                      <dgm:varLst>
+                        <dgm:bulletEnabled val="1"/>
+                      </dgm:varLst>
+                      <dgm:alg type="tx"/>
+                      <dgm:shape xmlns:r="http://schemas.openxmlformats.org/officeDocument/2006/relationships" type="rect" r:blip="">
+                        <dgm:adjLst/>
+                      </dgm:shape>
+                      <dgm:presOf axis="desOrSelf" ptType="node"/>
+                      <dgm:constrLst>
+                        <dgm:constr type="tMarg" refType="primFontSz" fact="0.1"/>
+                        <dgm:constr type="bMarg" refType="primFontSz" fact="0.1"/>
+                      </dgm:constrLst>
+                      <dgm:ruleLst>
+                        <dgm:rule type="primFontSz" val="5" fact="NaN" max="NaN"/>
+                      </dgm:ruleLst>
+                    </dgm:layoutNode>
+                  </dgm:forEach>
+                </dgm:layoutNode>
+              </dgm:if>
+              <dgm:else name="Name30"/>
+            </dgm:choose>
+          </dgm:layoutNode>
+        </dgm:else>
+      </dgm:choose>
+      <dgm:forEach name="Name31" axis="precedSib" ptType="sibTrans" st="-1" cnt="1">
+        <dgm:layoutNode name="sp">
+          <dgm:alg type="sp"/>
+          <dgm:shape xmlns:r="http://schemas.openxmlformats.org/officeDocument/2006/relationships" r:blip="">
+            <dgm:adjLst/>
+          </dgm:shape>
+          <dgm:presOf axis="self"/>
+          <dgm:constrLst/>
+          <dgm:ruleLst/>
         </dgm:layoutNode>
       </dgm:forEach>
     </dgm:forEach>
@@ -13899,7 +13913,7 @@
           <a:lstStyle/>
           <a:p>
             <a:r>
-              <a:rPr lang="hu-HU" sz="2300">
+              <a:rPr lang="hu-HU" sz="3000" dirty="0">
                 <a:solidFill>
                   <a:srgbClr val="FFFFFF"/>
                 </a:solidFill>
@@ -14020,6 +14034,186 @@
       </p:transition>
     </mc:Fallback>
   </mc:AlternateContent>
+  <p:timing>
+    <p:tnLst>
+      <p:par>
+        <p:cTn id="1" dur="indefinite" restart="never" nodeType="tmRoot">
+          <p:childTnLst>
+            <p:seq concurrent="1" nextAc="seek">
+              <p:cTn id="2" dur="indefinite" nodeType="mainSeq">
+                <p:childTnLst>
+                  <p:par>
+                    <p:cTn id="3" fill="hold">
+                      <p:stCondLst>
+                        <p:cond delay="indefinite"/>
+                        <p:cond evt="onBegin" delay="0">
+                          <p:tn val="2"/>
+                        </p:cond>
+                      </p:stCondLst>
+                      <p:childTnLst>
+                        <p:par>
+                          <p:cTn id="4" fill="hold">
+                            <p:stCondLst>
+                              <p:cond delay="0"/>
+                            </p:stCondLst>
+                            <p:childTnLst>
+                              <p:par>
+                                <p:cTn id="5" presetID="10" presetClass="entr" presetSubtype="0" fill="hold" nodeType="withEffect">
+                                  <p:stCondLst>
+                                    <p:cond delay="0"/>
+                                  </p:stCondLst>
+                                  <p:childTnLst>
+                                    <p:set>
+                                      <p:cBhvr>
+                                        <p:cTn id="6" dur="1" fill="hold">
+                                          <p:stCondLst>
+                                            <p:cond delay="0"/>
+                                          </p:stCondLst>
+                                        </p:cTn>
+                                        <p:tgtEl>
+                                          <p:spTgt spid="4">
+                                            <p:txEl>
+                                              <p:pRg st="0" end="0"/>
+                                            </p:txEl>
+                                          </p:spTgt>
+                                        </p:tgtEl>
+                                        <p:attrNameLst>
+                                          <p:attrName>style.visibility</p:attrName>
+                                        </p:attrNameLst>
+                                      </p:cBhvr>
+                                      <p:to>
+                                        <p:strVal val="visible"/>
+                                      </p:to>
+                                    </p:set>
+                                    <p:animEffect transition="in" filter="fade">
+                                      <p:cBhvr>
+                                        <p:cTn id="7" dur="500"/>
+                                        <p:tgtEl>
+                                          <p:spTgt spid="4">
+                                            <p:txEl>
+                                              <p:pRg st="0" end="0"/>
+                                            </p:txEl>
+                                          </p:spTgt>
+                                        </p:tgtEl>
+                                      </p:cBhvr>
+                                    </p:animEffect>
+                                  </p:childTnLst>
+                                </p:cTn>
+                              </p:par>
+                              <p:par>
+                                <p:cTn id="8" presetID="10" presetClass="entr" presetSubtype="0" fill="hold" nodeType="withEffect">
+                                  <p:stCondLst>
+                                    <p:cond delay="0"/>
+                                  </p:stCondLst>
+                                  <p:childTnLst>
+                                    <p:set>
+                                      <p:cBhvr>
+                                        <p:cTn id="9" dur="1" fill="hold">
+                                          <p:stCondLst>
+                                            <p:cond delay="0"/>
+                                          </p:stCondLst>
+                                        </p:cTn>
+                                        <p:tgtEl>
+                                          <p:spTgt spid="4">
+                                            <p:txEl>
+                                              <p:pRg st="1" end="1"/>
+                                            </p:txEl>
+                                          </p:spTgt>
+                                        </p:tgtEl>
+                                        <p:attrNameLst>
+                                          <p:attrName>style.visibility</p:attrName>
+                                        </p:attrNameLst>
+                                      </p:cBhvr>
+                                      <p:to>
+                                        <p:strVal val="visible"/>
+                                      </p:to>
+                                    </p:set>
+                                    <p:animEffect transition="in" filter="fade">
+                                      <p:cBhvr>
+                                        <p:cTn id="10" dur="500"/>
+                                        <p:tgtEl>
+                                          <p:spTgt spid="4">
+                                            <p:txEl>
+                                              <p:pRg st="1" end="1"/>
+                                            </p:txEl>
+                                          </p:spTgt>
+                                        </p:tgtEl>
+                                      </p:cBhvr>
+                                    </p:animEffect>
+                                  </p:childTnLst>
+                                </p:cTn>
+                              </p:par>
+                              <p:par>
+                                <p:cTn id="11" presetID="10" presetClass="entr" presetSubtype="0" fill="hold" nodeType="withEffect">
+                                  <p:stCondLst>
+                                    <p:cond delay="0"/>
+                                  </p:stCondLst>
+                                  <p:childTnLst>
+                                    <p:set>
+                                      <p:cBhvr>
+                                        <p:cTn id="12" dur="1" fill="hold">
+                                          <p:stCondLst>
+                                            <p:cond delay="0"/>
+                                          </p:stCondLst>
+                                        </p:cTn>
+                                        <p:tgtEl>
+                                          <p:spTgt spid="4">
+                                            <p:txEl>
+                                              <p:pRg st="2" end="2"/>
+                                            </p:txEl>
+                                          </p:spTgt>
+                                        </p:tgtEl>
+                                        <p:attrNameLst>
+                                          <p:attrName>style.visibility</p:attrName>
+                                        </p:attrNameLst>
+                                      </p:cBhvr>
+                                      <p:to>
+                                        <p:strVal val="visible"/>
+                                      </p:to>
+                                    </p:set>
+                                    <p:animEffect transition="in" filter="fade">
+                                      <p:cBhvr>
+                                        <p:cTn id="13" dur="500"/>
+                                        <p:tgtEl>
+                                          <p:spTgt spid="4">
+                                            <p:txEl>
+                                              <p:pRg st="2" end="2"/>
+                                            </p:txEl>
+                                          </p:spTgt>
+                                        </p:tgtEl>
+                                      </p:cBhvr>
+                                    </p:animEffect>
+                                  </p:childTnLst>
+                                </p:cTn>
+                              </p:par>
+                            </p:childTnLst>
+                          </p:cTn>
+                        </p:par>
+                      </p:childTnLst>
+                    </p:cTn>
+                  </p:par>
+                </p:childTnLst>
+              </p:cTn>
+              <p:prevCondLst>
+                <p:cond evt="onPrev" delay="0">
+                  <p:tgtEl>
+                    <p:sldTgt/>
+                  </p:tgtEl>
+                </p:cond>
+              </p:prevCondLst>
+              <p:nextCondLst>
+                <p:cond evt="onNext" delay="0">
+                  <p:tgtEl>
+                    <p:sldTgt/>
+                  </p:tgtEl>
+                </p:cond>
+              </p:nextCondLst>
+            </p:seq>
+          </p:childTnLst>
+        </p:cTn>
+      </p:par>
+    </p:tnLst>
+  </p:timing>
 </p:sld>
 </file>
 
@@ -14230,14 +14424,14 @@
             <p:ph idx="1"/>
             <p:extLst>
               <p:ext uri="{D42A27DB-BD31-4B8C-83A1-F6EECF244321}">
-                <p14:modId xmlns:p14="http://schemas.microsoft.com/office/powerpoint/2010/main" val="4282609673"/>
+                <p14:modId xmlns:p14="http://schemas.microsoft.com/office/powerpoint/2010/main" val="950393396"/>
               </p:ext>
             </p:extLst>
           </p:nvPr>
         </p:nvGraphicFramePr>
         <p:xfrm>
-          <a:off x="5619750" y="965200"/>
-          <a:ext cx="5607050" cy="4927600"/>
+          <a:off x="5034579" y="527125"/>
+          <a:ext cx="6809590" cy="5365675"/>
         </p:xfrm>
         <a:graphic>
           <a:graphicData uri="http://schemas.openxmlformats.org/drawingml/2006/diagram">
@@ -14267,6 +14461,97 @@
       </p:transition>
     </mc:Fallback>
   </mc:AlternateContent>
+  <p:timing>
+    <p:tnLst>
+      <p:par>
+        <p:cTn id="1" dur="indefinite" restart="never" nodeType="tmRoot">
+          <p:childTnLst>
+            <p:seq concurrent="1" nextAc="seek">
+              <p:cTn id="2" dur="indefinite" nodeType="mainSeq">
+                <p:childTnLst>
+                  <p:par>
+                    <p:cTn id="3" fill="hold">
+                      <p:stCondLst>
+                        <p:cond delay="indefinite"/>
+                        <p:cond evt="onBegin" delay="0">
+                          <p:tn val="2"/>
+                        </p:cond>
+                      </p:stCondLst>
+                      <p:childTnLst>
+                        <p:par>
+                          <p:cTn id="4" fill="hold">
+                            <p:stCondLst>
+                              <p:cond delay="0"/>
+                            </p:stCondLst>
+                            <p:childTnLst>
+                              <p:par>
+                                <p:cTn id="5" presetID="10" presetClass="entr" presetSubtype="0" fill="hold" grpId="0" nodeType="withEffect">
+                                  <p:stCondLst>
+                                    <p:cond delay="0"/>
+                                  </p:stCondLst>
+                                  <p:childTnLst>
+                                    <p:set>
+                                      <p:cBhvr>
+                                        <p:cTn id="6" dur="1" fill="hold">
+                                          <p:stCondLst>
+                                            <p:cond delay="0"/>
+                                          </p:stCondLst>
+                                        </p:cTn>
+                                        <p:tgtEl>
+                                          <p:spTgt spid="6"/>
+                                        </p:tgtEl>
+                                        <p:attrNameLst>
+                                          <p:attrName>style.visibility</p:attrName>
+                                        </p:attrNameLst>
+                                      </p:cBhvr>
+                                      <p:to>
+                                        <p:strVal val="visible"/>
+                                      </p:to>
+                                    </p:set>
+                                    <p:animEffect transition="in" filter="fade">
+                                      <p:cBhvr>
+                                        <p:cTn id="7" dur="500"/>
+                                        <p:tgtEl>
+                                          <p:spTgt spid="6"/>
+                                        </p:tgtEl>
+                                      </p:cBhvr>
+                                    </p:animEffect>
+                                  </p:childTnLst>
+                                </p:cTn>
+                              </p:par>
+                            </p:childTnLst>
+                          </p:cTn>
+                        </p:par>
+                      </p:childTnLst>
+                    </p:cTn>
+                  </p:par>
+                </p:childTnLst>
+              </p:cTn>
+              <p:prevCondLst>
+                <p:cond evt="onPrev" delay="0">
+                  <p:tgtEl>
+                    <p:sldTgt/>
+                  </p:tgtEl>
+                </p:cond>
+              </p:prevCondLst>
+              <p:nextCondLst>
+                <p:cond evt="onNext" delay="0">
+                  <p:tgtEl>
+                    <p:sldTgt/>
+                  </p:tgtEl>
+                </p:cond>
+              </p:nextCondLst>
+            </p:seq>
+          </p:childTnLst>
+        </p:cTn>
+      </p:par>
+    </p:tnLst>
+    <p:bldLst>
+      <p:bldGraphic spid="6" grpId="0">
+        <p:bldAsOne/>
+      </p:bldGraphic>
+    </p:bldLst>
+  </p:timing>
 </p:sld>
 </file>
 
@@ -14313,8 +14598,8 @@
         </p:nvSpPr>
         <p:spPr>
           <a:xfrm>
-            <a:off x="829781" y="2708804"/>
-            <a:ext cx="3698803" cy="1440394"/>
+            <a:off x="139629" y="2624827"/>
+            <a:ext cx="5020199" cy="1440394"/>
           </a:xfrm>
           <a:noFill/>
           <a:ln>
@@ -14325,12 +14610,12 @@
         </p:spPr>
         <p:txBody>
           <a:bodyPr>
-            <a:normAutofit/>
+            <a:noAutofit/>
           </a:bodyPr>
           <a:lstStyle/>
           <a:p>
             <a:r>
-              <a:rPr lang="hu-HU" sz="2400">
+              <a:rPr lang="hu-HU" sz="4000" dirty="0">
                 <a:solidFill>
                   <a:schemeClr val="tx1"/>
                 </a:solidFill>
@@ -14481,7 +14766,7 @@
               <a:tabLst/>
             </a:pPr>
             <a:r>
-              <a:rPr kumimoji="0" lang="hu-HU" altLang="hu-HU" b="1" i="0" u="none" strike="noStrike" cap="none" normalizeH="0" baseline="0" dirty="0" err="1">
+              <a:rPr kumimoji="0" lang="hu-HU" altLang="hu-HU" sz="2300" b="1" i="0" u="none" strike="noStrike" cap="none" normalizeH="0" baseline="0" dirty="0" err="1">
                 <a:ln>
                   <a:noFill/>
                 </a:ln>
@@ -14494,7 +14779,7 @@
               <a:t>posts</a:t>
             </a:r>
             <a:r>
-              <a:rPr kumimoji="0" lang="hu-HU" altLang="hu-HU" b="1" i="0" u="none" strike="noStrike" cap="none" normalizeH="0" baseline="0" dirty="0">
+              <a:rPr kumimoji="0" lang="hu-HU" altLang="hu-HU" sz="2300" b="1" i="0" u="none" strike="noStrike" cap="none" normalizeH="0" baseline="0" dirty="0">
                 <a:ln>
                   <a:noFill/>
                 </a:ln>
@@ -14505,7 +14790,7 @@
               </a:rPr>
               <a:t> tábla:</a:t>
             </a:r>
-            <a:endParaRPr kumimoji="0" lang="hu-HU" altLang="hu-HU" b="1" i="0" u="none" strike="noStrike" cap="none" normalizeH="0" baseline="0" dirty="0">
+            <a:endParaRPr kumimoji="0" lang="hu-HU" altLang="hu-HU" sz="2300" b="1" i="0" u="none" strike="noStrike" cap="none" normalizeH="0" baseline="0" dirty="0">
               <a:ln>
                 <a:noFill/>
               </a:ln>
@@ -14531,7 +14816,7 @@
               <a:tabLst/>
             </a:pPr>
             <a:r>
-              <a:rPr kumimoji="0" lang="hu-HU" altLang="hu-HU" b="0" i="0" u="none" strike="noStrike" cap="none" normalizeH="0" baseline="0" dirty="0" err="1">
+              <a:rPr kumimoji="0" lang="hu-HU" altLang="hu-HU" sz="2300" b="0" i="0" u="none" strike="noStrike" cap="none" normalizeH="0" baseline="0" dirty="0" err="1">
                 <a:ln>
                   <a:noFill/>
                 </a:ln>
@@ -14544,7 +14829,7 @@
               <a:t>id</a:t>
             </a:r>
             <a:r>
-              <a:rPr kumimoji="0" lang="hu-HU" altLang="hu-HU" b="0" i="0" u="none" strike="noStrike" cap="none" normalizeH="0" baseline="0" dirty="0">
+              <a:rPr kumimoji="0" lang="hu-HU" altLang="hu-HU" sz="2300" b="0" i="0" u="none" strike="noStrike" cap="none" normalizeH="0" baseline="0" dirty="0">
                 <a:ln>
                   <a:noFill/>
                 </a:ln>
@@ -14555,7 +14840,7 @@
               </a:rPr>
               <a:t> – elsődleges kulcs (INT)</a:t>
             </a:r>
-            <a:endParaRPr kumimoji="0" lang="hu-HU" altLang="hu-HU" b="0" i="0" u="none" strike="noStrike" cap="none" normalizeH="0" baseline="0" dirty="0">
+            <a:endParaRPr kumimoji="0" lang="hu-HU" altLang="hu-HU" sz="2300" b="0" i="0" u="none" strike="noStrike" cap="none" normalizeH="0" baseline="0" dirty="0">
               <a:ln>
                 <a:noFill/>
               </a:ln>
@@ -14581,7 +14866,7 @@
               <a:tabLst/>
             </a:pPr>
             <a:r>
-              <a:rPr kumimoji="0" lang="hu-HU" altLang="hu-HU" b="0" i="0" u="none" strike="noStrike" cap="none" normalizeH="0" baseline="0" dirty="0" err="1">
+              <a:rPr kumimoji="0" lang="hu-HU" altLang="hu-HU" sz="2300" b="0" i="0" u="none" strike="noStrike" cap="none" normalizeH="0" baseline="0" dirty="0" err="1">
                 <a:ln>
                   <a:noFill/>
                 </a:ln>
@@ -14594,7 +14879,7 @@
               <a:t>user_id</a:t>
             </a:r>
             <a:r>
-              <a:rPr kumimoji="0" lang="hu-HU" altLang="hu-HU" b="0" i="0" u="none" strike="noStrike" cap="none" normalizeH="0" baseline="0" dirty="0">
+              <a:rPr kumimoji="0" lang="hu-HU" altLang="hu-HU" sz="2300" b="0" i="0" u="none" strike="noStrike" cap="none" normalizeH="0" baseline="0" dirty="0">
                 <a:ln>
                   <a:noFill/>
                 </a:ln>
@@ -14606,7 +14891,7 @@
               <a:t> – idegen kulcs (INT), kapcsolódik a </a:t>
             </a:r>
             <a:r>
-              <a:rPr kumimoji="0" lang="hu-HU" altLang="hu-HU" b="0" i="0" u="none" strike="noStrike" cap="none" normalizeH="0" baseline="0" dirty="0" err="1">
+              <a:rPr kumimoji="0" lang="hu-HU" altLang="hu-HU" sz="2300" b="0" i="0" u="none" strike="noStrike" cap="none" normalizeH="0" baseline="0" dirty="0" err="1">
                 <a:ln>
                   <a:noFill/>
                 </a:ln>
@@ -14619,7 +14904,7 @@
               <a:t>users</a:t>
             </a:r>
             <a:r>
-              <a:rPr kumimoji="0" lang="hu-HU" altLang="hu-HU" b="0" i="0" u="none" strike="noStrike" cap="none" normalizeH="0" baseline="0" dirty="0">
+              <a:rPr kumimoji="0" lang="hu-HU" altLang="hu-HU" sz="2300" b="0" i="0" u="none" strike="noStrike" cap="none" normalizeH="0" baseline="0" dirty="0">
                 <a:ln>
                   <a:noFill/>
                 </a:ln>
@@ -14630,7 +14915,7 @@
               </a:rPr>
               <a:t> táblához</a:t>
             </a:r>
-            <a:endParaRPr kumimoji="0" lang="hu-HU" altLang="hu-HU" b="0" i="0" u="none" strike="noStrike" cap="none" normalizeH="0" baseline="0" dirty="0">
+            <a:endParaRPr kumimoji="0" lang="hu-HU" altLang="hu-HU" sz="2300" b="0" i="0" u="none" strike="noStrike" cap="none" normalizeH="0" baseline="0" dirty="0">
               <a:ln>
                 <a:noFill/>
               </a:ln>
@@ -14656,7 +14941,7 @@
               <a:tabLst/>
             </a:pPr>
             <a:r>
-              <a:rPr kumimoji="0" lang="hu-HU" altLang="hu-HU" b="0" i="0" u="none" strike="noStrike" cap="none" normalizeH="0" baseline="0" dirty="0" err="1">
+              <a:rPr kumimoji="0" lang="hu-HU" altLang="hu-HU" sz="2300" b="0" i="0" u="none" strike="noStrike" cap="none" normalizeH="0" baseline="0" dirty="0" err="1">
                 <a:ln>
                   <a:noFill/>
                 </a:ln>
@@ -14669,7 +14954,7 @@
               <a:t>title</a:t>
             </a:r>
             <a:r>
-              <a:rPr kumimoji="0" lang="hu-HU" altLang="hu-HU" b="0" i="0" u="none" strike="noStrike" cap="none" normalizeH="0" baseline="0" dirty="0">
+              <a:rPr kumimoji="0" lang="hu-HU" altLang="hu-HU" sz="2300" b="0" i="0" u="none" strike="noStrike" cap="none" normalizeH="0" baseline="0" dirty="0">
                 <a:ln>
                   <a:noFill/>
                 </a:ln>
@@ -14680,7 +14965,7 @@
               </a:rPr>
               <a:t> – bejegyzés címe (VARCHAR(255))</a:t>
             </a:r>
-            <a:endParaRPr kumimoji="0" lang="hu-HU" altLang="hu-HU" b="0" i="0" u="none" strike="noStrike" cap="none" normalizeH="0" baseline="0" dirty="0">
+            <a:endParaRPr kumimoji="0" lang="hu-HU" altLang="hu-HU" sz="2300" b="0" i="0" u="none" strike="noStrike" cap="none" normalizeH="0" baseline="0" dirty="0">
               <a:ln>
                 <a:noFill/>
               </a:ln>
@@ -14706,7 +14991,7 @@
               <a:tabLst/>
             </a:pPr>
             <a:r>
-              <a:rPr kumimoji="0" lang="hu-HU" altLang="hu-HU" b="0" i="0" u="none" strike="noStrike" cap="none" normalizeH="0" baseline="0" dirty="0">
+              <a:rPr kumimoji="0" lang="hu-HU" altLang="hu-HU" sz="2300" b="0" i="0" u="none" strike="noStrike" cap="none" normalizeH="0" baseline="0" dirty="0">
                 <a:ln>
                   <a:noFill/>
                 </a:ln>
@@ -14719,7 +15004,7 @@
               <a:t>body</a:t>
             </a:r>
             <a:r>
-              <a:rPr kumimoji="0" lang="hu-HU" altLang="hu-HU" b="0" i="0" u="none" strike="noStrike" cap="none" normalizeH="0" baseline="0" dirty="0">
+              <a:rPr kumimoji="0" lang="hu-HU" altLang="hu-HU" sz="2300" b="0" i="0" u="none" strike="noStrike" cap="none" normalizeH="0" baseline="0" dirty="0">
                 <a:ln>
                   <a:noFill/>
                 </a:ln>
@@ -14730,7 +15015,7 @@
               </a:rPr>
               <a:t> – tartalom (TEXT)</a:t>
             </a:r>
-            <a:endParaRPr kumimoji="0" lang="hu-HU" altLang="hu-HU" b="0" i="0" u="none" strike="noStrike" cap="none" normalizeH="0" baseline="0" dirty="0">
+            <a:endParaRPr kumimoji="0" lang="hu-HU" altLang="hu-HU" sz="2300" b="0" i="0" u="none" strike="noStrike" cap="none" normalizeH="0" baseline="0" dirty="0">
               <a:ln>
                 <a:noFill/>
               </a:ln>
@@ -14756,7 +15041,7 @@
               <a:tabLst/>
             </a:pPr>
             <a:r>
-              <a:rPr kumimoji="0" lang="hu-HU" altLang="hu-HU" b="1" i="0" u="none" strike="noStrike" cap="none" normalizeH="0" baseline="0" dirty="0">
+              <a:rPr kumimoji="0" lang="hu-HU" altLang="hu-HU" sz="2300" b="1" i="0" u="none" strike="noStrike" cap="none" normalizeH="0" baseline="0" dirty="0">
                 <a:ln>
                   <a:noFill/>
                 </a:ln>
@@ -14769,7 +15054,7 @@
               <a:t>Indoklás</a:t>
             </a:r>
             <a:r>
-              <a:rPr kumimoji="0" lang="hu-HU" altLang="hu-HU" b="0" i="0" u="none" strike="noStrike" cap="none" normalizeH="0" baseline="0" dirty="0">
+              <a:rPr kumimoji="0" lang="hu-HU" altLang="hu-HU" sz="2300" b="0" i="0" u="none" strike="noStrike" cap="none" normalizeH="0" baseline="0" dirty="0">
                 <a:ln>
                   <a:noFill/>
                 </a:ln>
@@ -14782,7 +15067,7 @@
               <a:t>:</a:t>
             </a:r>
             <a:br>
-              <a:rPr kumimoji="0" lang="hu-HU" altLang="hu-HU" b="0" i="0" u="none" strike="noStrike" cap="none" normalizeH="0" baseline="0" dirty="0">
+              <a:rPr kumimoji="0" lang="hu-HU" altLang="hu-HU" sz="2300" b="0" i="0" u="none" strike="noStrike" cap="none" normalizeH="0" baseline="0" dirty="0">
                 <a:ln>
                   <a:noFill/>
                 </a:ln>
@@ -14794,7 +15079,7 @@
               </a:rPr>
             </a:br>
             <a:r>
-              <a:rPr kumimoji="0" lang="hu-HU" altLang="hu-HU" b="0" i="0" u="none" strike="noStrike" cap="none" normalizeH="0" baseline="0" dirty="0">
+              <a:rPr kumimoji="0" lang="hu-HU" altLang="hu-HU" sz="2300" b="0" i="0" u="none" strike="noStrike" cap="none" normalizeH="0" baseline="0" dirty="0">
                 <a:ln>
                   <a:noFill/>
                 </a:ln>
@@ -14807,7 +15092,7 @@
               <a:t>A </a:t>
             </a:r>
             <a:r>
-              <a:rPr kumimoji="0" lang="hu-HU" altLang="hu-HU" b="0" i="0" u="none" strike="noStrike" cap="none" normalizeH="0" baseline="0" dirty="0" err="1">
+              <a:rPr kumimoji="0" lang="hu-HU" altLang="hu-HU" sz="2300" b="0" i="0" u="none" strike="noStrike" cap="none" normalizeH="0" baseline="0" dirty="0" err="1">
                 <a:ln>
                   <a:noFill/>
                 </a:ln>
@@ -14820,7 +15105,7 @@
               <a:t>user_id</a:t>
             </a:r>
             <a:r>
-              <a:rPr kumimoji="0" lang="hu-HU" altLang="hu-HU" b="0" i="0" u="none" strike="noStrike" cap="none" normalizeH="0" baseline="0" dirty="0">
+              <a:rPr kumimoji="0" lang="hu-HU" altLang="hu-HU" sz="2300" b="0" i="0" u="none" strike="noStrike" cap="none" normalizeH="0" baseline="0" dirty="0">
                 <a:ln>
                   <a:noFill/>
                 </a:ln>
@@ -14832,7 +15117,7 @@
               <a:t> külön tábla (</a:t>
             </a:r>
             <a:r>
-              <a:rPr kumimoji="0" lang="hu-HU" altLang="hu-HU" b="0" i="0" u="none" strike="noStrike" cap="none" normalizeH="0" baseline="0" dirty="0" err="1">
+              <a:rPr kumimoji="0" lang="hu-HU" altLang="hu-HU" sz="2300" b="0" i="0" u="none" strike="noStrike" cap="none" normalizeH="0" baseline="0" dirty="0" err="1">
                 <a:ln>
                   <a:noFill/>
                 </a:ln>
@@ -14845,7 +15130,7 @@
               <a:t>users</a:t>
             </a:r>
             <a:r>
-              <a:rPr kumimoji="0" lang="hu-HU" altLang="hu-HU" b="0" i="0" u="none" strike="noStrike" cap="none" normalizeH="0" baseline="0" dirty="0">
+              <a:rPr kumimoji="0" lang="hu-HU" altLang="hu-HU" sz="2300" b="0" i="0" u="none" strike="noStrike" cap="none" normalizeH="0" baseline="0" dirty="0">
                 <a:ln>
                   <a:noFill/>
                 </a:ln>
@@ -14856,7 +15141,7 @@
               </a:rPr>
               <a:t>) alapján azonosítja a szerzőt, ez biztosítja a többszörös kapcsolatot egy felhasználó és több bejegyzés között.</a:t>
             </a:r>
-            <a:endParaRPr kumimoji="0" lang="hu-HU" altLang="hu-HU" b="0" i="0" u="none" strike="noStrike" cap="none" normalizeH="0" baseline="0" dirty="0">
+            <a:endParaRPr kumimoji="0" lang="hu-HU" altLang="hu-HU" sz="2300" b="0" i="0" u="none" strike="noStrike" cap="none" normalizeH="0" baseline="0" dirty="0">
               <a:ln>
                 <a:noFill/>
               </a:ln>
@@ -14891,6 +15176,318 @@
       </p:transition>
     </mc:Fallback>
   </mc:AlternateContent>
+  <p:timing>
+    <p:tnLst>
+      <p:par>
+        <p:cTn id="1" dur="indefinite" restart="never" nodeType="tmRoot">
+          <p:childTnLst>
+            <p:seq concurrent="1" nextAc="seek">
+              <p:cTn id="2" dur="indefinite" nodeType="mainSeq">
+                <p:childTnLst>
+                  <p:par>
+                    <p:cTn id="3" fill="hold">
+                      <p:stCondLst>
+                        <p:cond delay="indefinite"/>
+                        <p:cond evt="onBegin" delay="0">
+                          <p:tn val="2"/>
+                        </p:cond>
+                      </p:stCondLst>
+                      <p:childTnLst>
+                        <p:par>
+                          <p:cTn id="4" fill="hold">
+                            <p:stCondLst>
+                              <p:cond delay="0"/>
+                            </p:stCondLst>
+                            <p:childTnLst>
+                              <p:par>
+                                <p:cTn id="5" presetID="10" presetClass="entr" presetSubtype="0" fill="hold" grpId="0" nodeType="withEffect">
+                                  <p:stCondLst>
+                                    <p:cond delay="0"/>
+                                  </p:stCondLst>
+                                  <p:childTnLst>
+                                    <p:set>
+                                      <p:cBhvr>
+                                        <p:cTn id="6" dur="1" fill="hold">
+                                          <p:stCondLst>
+                                            <p:cond delay="0"/>
+                                          </p:stCondLst>
+                                        </p:cTn>
+                                        <p:tgtEl>
+                                          <p:spTgt spid="4">
+                                            <p:txEl>
+                                              <p:pRg st="0" end="0"/>
+                                            </p:txEl>
+                                          </p:spTgt>
+                                        </p:tgtEl>
+                                        <p:attrNameLst>
+                                          <p:attrName>style.visibility</p:attrName>
+                                        </p:attrNameLst>
+                                      </p:cBhvr>
+                                      <p:to>
+                                        <p:strVal val="visible"/>
+                                      </p:to>
+                                    </p:set>
+                                    <p:animEffect transition="in" filter="fade">
+                                      <p:cBhvr>
+                                        <p:cTn id="7" dur="500"/>
+                                        <p:tgtEl>
+                                          <p:spTgt spid="4">
+                                            <p:txEl>
+                                              <p:pRg st="0" end="0"/>
+                                            </p:txEl>
+                                          </p:spTgt>
+                                        </p:tgtEl>
+                                      </p:cBhvr>
+                                    </p:animEffect>
+                                  </p:childTnLst>
+                                </p:cTn>
+                              </p:par>
+                              <p:par>
+                                <p:cTn id="8" presetID="10" presetClass="entr" presetSubtype="0" fill="hold" grpId="0" nodeType="withEffect">
+                                  <p:stCondLst>
+                                    <p:cond delay="0"/>
+                                  </p:stCondLst>
+                                  <p:childTnLst>
+                                    <p:set>
+                                      <p:cBhvr>
+                                        <p:cTn id="9" dur="1" fill="hold">
+                                          <p:stCondLst>
+                                            <p:cond delay="0"/>
+                                          </p:stCondLst>
+                                        </p:cTn>
+                                        <p:tgtEl>
+                                          <p:spTgt spid="4">
+                                            <p:txEl>
+                                              <p:pRg st="1" end="1"/>
+                                            </p:txEl>
+                                          </p:spTgt>
+                                        </p:tgtEl>
+                                        <p:attrNameLst>
+                                          <p:attrName>style.visibility</p:attrName>
+                                        </p:attrNameLst>
+                                      </p:cBhvr>
+                                      <p:to>
+                                        <p:strVal val="visible"/>
+                                      </p:to>
+                                    </p:set>
+                                    <p:animEffect transition="in" filter="fade">
+                                      <p:cBhvr>
+                                        <p:cTn id="10" dur="500"/>
+                                        <p:tgtEl>
+                                          <p:spTgt spid="4">
+                                            <p:txEl>
+                                              <p:pRg st="1" end="1"/>
+                                            </p:txEl>
+                                          </p:spTgt>
+                                        </p:tgtEl>
+                                      </p:cBhvr>
+                                    </p:animEffect>
+                                  </p:childTnLst>
+                                </p:cTn>
+                              </p:par>
+                              <p:par>
+                                <p:cTn id="11" presetID="10" presetClass="entr" presetSubtype="0" fill="hold" grpId="0" nodeType="withEffect">
+                                  <p:stCondLst>
+                                    <p:cond delay="0"/>
+                                  </p:stCondLst>
+                                  <p:childTnLst>
+                                    <p:set>
+                                      <p:cBhvr>
+                                        <p:cTn id="12" dur="1" fill="hold">
+                                          <p:stCondLst>
+                                            <p:cond delay="0"/>
+                                          </p:stCondLst>
+                                        </p:cTn>
+                                        <p:tgtEl>
+                                          <p:spTgt spid="4">
+                                            <p:txEl>
+                                              <p:pRg st="2" end="2"/>
+                                            </p:txEl>
+                                          </p:spTgt>
+                                        </p:tgtEl>
+                                        <p:attrNameLst>
+                                          <p:attrName>style.visibility</p:attrName>
+                                        </p:attrNameLst>
+                                      </p:cBhvr>
+                                      <p:to>
+                                        <p:strVal val="visible"/>
+                                      </p:to>
+                                    </p:set>
+                                    <p:animEffect transition="in" filter="fade">
+                                      <p:cBhvr>
+                                        <p:cTn id="13" dur="500"/>
+                                        <p:tgtEl>
+                                          <p:spTgt spid="4">
+                                            <p:txEl>
+                                              <p:pRg st="2" end="2"/>
+                                            </p:txEl>
+                                          </p:spTgt>
+                                        </p:tgtEl>
+                                      </p:cBhvr>
+                                    </p:animEffect>
+                                  </p:childTnLst>
+                                </p:cTn>
+                              </p:par>
+                              <p:par>
+                                <p:cTn id="14" presetID="10" presetClass="entr" presetSubtype="0" fill="hold" grpId="0" nodeType="withEffect">
+                                  <p:stCondLst>
+                                    <p:cond delay="0"/>
+                                  </p:stCondLst>
+                                  <p:childTnLst>
+                                    <p:set>
+                                      <p:cBhvr>
+                                        <p:cTn id="15" dur="1" fill="hold">
+                                          <p:stCondLst>
+                                            <p:cond delay="0"/>
+                                          </p:stCondLst>
+                                        </p:cTn>
+                                        <p:tgtEl>
+                                          <p:spTgt spid="4">
+                                            <p:txEl>
+                                              <p:pRg st="3" end="3"/>
+                                            </p:txEl>
+                                          </p:spTgt>
+                                        </p:tgtEl>
+                                        <p:attrNameLst>
+                                          <p:attrName>style.visibility</p:attrName>
+                                        </p:attrNameLst>
+                                      </p:cBhvr>
+                                      <p:to>
+                                        <p:strVal val="visible"/>
+                                      </p:to>
+                                    </p:set>
+                                    <p:animEffect transition="in" filter="fade">
+                                      <p:cBhvr>
+                                        <p:cTn id="16" dur="500"/>
+                                        <p:tgtEl>
+                                          <p:spTgt spid="4">
+                                            <p:txEl>
+                                              <p:pRg st="3" end="3"/>
+                                            </p:txEl>
+                                          </p:spTgt>
+                                        </p:tgtEl>
+                                      </p:cBhvr>
+                                    </p:animEffect>
+                                  </p:childTnLst>
+                                </p:cTn>
+                              </p:par>
+                              <p:par>
+                                <p:cTn id="17" presetID="10" presetClass="entr" presetSubtype="0" fill="hold" grpId="0" nodeType="withEffect">
+                                  <p:stCondLst>
+                                    <p:cond delay="0"/>
+                                  </p:stCondLst>
+                                  <p:childTnLst>
+                                    <p:set>
+                                      <p:cBhvr>
+                                        <p:cTn id="18" dur="1" fill="hold">
+                                          <p:stCondLst>
+                                            <p:cond delay="0"/>
+                                          </p:stCondLst>
+                                        </p:cTn>
+                                        <p:tgtEl>
+                                          <p:spTgt spid="4">
+                                            <p:txEl>
+                                              <p:pRg st="4" end="4"/>
+                                            </p:txEl>
+                                          </p:spTgt>
+                                        </p:tgtEl>
+                                        <p:attrNameLst>
+                                          <p:attrName>style.visibility</p:attrName>
+                                        </p:attrNameLst>
+                                      </p:cBhvr>
+                                      <p:to>
+                                        <p:strVal val="visible"/>
+                                      </p:to>
+                                    </p:set>
+                                    <p:animEffect transition="in" filter="fade">
+                                      <p:cBhvr>
+                                        <p:cTn id="19" dur="500"/>
+                                        <p:tgtEl>
+                                          <p:spTgt spid="4">
+                                            <p:txEl>
+                                              <p:pRg st="4" end="4"/>
+                                            </p:txEl>
+                                          </p:spTgt>
+                                        </p:tgtEl>
+                                      </p:cBhvr>
+                                    </p:animEffect>
+                                  </p:childTnLst>
+                                </p:cTn>
+                              </p:par>
+                              <p:par>
+                                <p:cTn id="20" presetID="10" presetClass="entr" presetSubtype="0" fill="hold" grpId="0" nodeType="withEffect">
+                                  <p:stCondLst>
+                                    <p:cond delay="0"/>
+                                  </p:stCondLst>
+                                  <p:childTnLst>
+                                    <p:set>
+                                      <p:cBhvr>
+                                        <p:cTn id="21" dur="1" fill="hold">
+                                          <p:stCondLst>
+                                            <p:cond delay="0"/>
+                                          </p:stCondLst>
+                                        </p:cTn>
+                                        <p:tgtEl>
+                                          <p:spTgt spid="4">
+                                            <p:txEl>
+                                              <p:pRg st="5" end="5"/>
+                                            </p:txEl>
+                                          </p:spTgt>
+                                        </p:tgtEl>
+                                        <p:attrNameLst>
+                                          <p:attrName>style.visibility</p:attrName>
+                                        </p:attrNameLst>
+                                      </p:cBhvr>
+                                      <p:to>
+                                        <p:strVal val="visible"/>
+                                      </p:to>
+                                    </p:set>
+                                    <p:animEffect transition="in" filter="fade">
+                                      <p:cBhvr>
+                                        <p:cTn id="22" dur="500"/>
+                                        <p:tgtEl>
+                                          <p:spTgt spid="4">
+                                            <p:txEl>
+                                              <p:pRg st="5" end="5"/>
+                                            </p:txEl>
+                                          </p:spTgt>
+                                        </p:tgtEl>
+                                      </p:cBhvr>
+                                    </p:animEffect>
+                                  </p:childTnLst>
+                                </p:cTn>
+                              </p:par>
+                            </p:childTnLst>
+                          </p:cTn>
+                        </p:par>
+                      </p:childTnLst>
+                    </p:cTn>
+                  </p:par>
+                </p:childTnLst>
+              </p:cTn>
+              <p:prevCondLst>
+                <p:cond evt="onPrev" delay="0">
+                  <p:tgtEl>
+                    <p:sldTgt/>
+                  </p:tgtEl>
+                </p:cond>
+              </p:prevCondLst>
+              <p:nextCondLst>
+                <p:cond evt="onNext" delay="0">
+                  <p:tgtEl>
+                    <p:sldTgt/>
+                  </p:tgtEl>
+                </p:cond>
+              </p:nextCondLst>
+            </p:seq>
+          </p:childTnLst>
+        </p:cTn>
+      </p:par>
+    </p:tnLst>
+    <p:bldLst>
+      <p:bldP spid="4" grpId="0" build="p"/>
+    </p:bldLst>
+  </p:timing>
 </p:sld>
 </file>
 
@@ -14900,9 +15497,7 @@
     <p:bg>
       <p:bgPr>
         <a:solidFill>
-          <a:schemeClr val="bg1">
-            <a:lumMod val="95000"/>
-          </a:schemeClr>
+          <a:schemeClr val="bg1"/>
         </a:solidFill>
         <a:effectLst/>
       </p:bgPr>
@@ -14923,6 +15518,72 @@
       </p:grpSpPr>
       <p:sp>
         <p:nvSpPr>
+          <p:cNvPr id="14" name="Rectangle 13">
+            <a:extLst>
+              <a:ext uri="{FF2B5EF4-FFF2-40B4-BE49-F238E27FC236}">
+                <a16:creationId xmlns:a16="http://schemas.microsoft.com/office/drawing/2014/main" id="{4E866FF9-A729-45F0-A163-10E89E871602}"/>
+              </a:ext>
+              <a:ext uri="{C183D7F6-B498-43B3-948B-1728B52AA6E4}">
+                <adec:decorative xmlns:adec="http://schemas.microsoft.com/office/drawing/2017/decorative" val="1"/>
+              </a:ext>
+            </a:extLst>
+          </p:cNvPr>
+          <p:cNvSpPr>
+            <a:spLocks noGrp="1" noRot="1" noChangeAspect="1" noMove="1" noResize="1" noEditPoints="1" noAdjustHandles="1" noChangeArrowheads="1" noChangeShapeType="1" noTextEdit="1"/>
+          </p:cNvSpPr>
+          <p:nvPr>
+            <p:extLst>
+              <p:ext uri="{386F3935-93C4-4BCD-93E2-E3B085C9AB24}">
+                <p16:designElem xmlns:p16="http://schemas.microsoft.com/office/powerpoint/2015/main" val="1"/>
+              </p:ext>
+            </p:extLst>
+          </p:nvPr>
+        </p:nvSpPr>
+        <p:spPr>
+          <a:xfrm>
+            <a:off x="0" y="0"/>
+            <a:ext cx="4738255" cy="6858000"/>
+          </a:xfrm>
+          <a:prstGeom prst="rect">
+            <a:avLst/>
+          </a:prstGeom>
+          <a:solidFill>
+            <a:schemeClr val="accent6">
+              <a:lumMod val="60000"/>
+              <a:lumOff val="40000"/>
+            </a:schemeClr>
+          </a:solidFill>
+          <a:ln>
+            <a:noFill/>
+          </a:ln>
+        </p:spPr>
+        <p:style>
+          <a:lnRef idx="2">
+            <a:schemeClr val="accent1">
+              <a:shade val="50000"/>
+            </a:schemeClr>
+          </a:lnRef>
+          <a:fillRef idx="1">
+            <a:schemeClr val="accent1"/>
+          </a:fillRef>
+          <a:effectRef idx="0">
+            <a:schemeClr val="accent1"/>
+          </a:effectRef>
+          <a:fontRef idx="minor">
+            <a:schemeClr val="lt1"/>
+          </a:fontRef>
+        </p:style>
+        <p:txBody>
+          <a:bodyPr rtlCol="0" anchor="ctr"/>
+          <a:lstStyle/>
+          <a:p>
+            <a:pPr algn="ctr"/>
+            <a:endParaRPr lang="en-US"/>
+          </a:p>
+        </p:txBody>
+      </p:sp>
+      <p:sp>
+        <p:nvSpPr>
           <p:cNvPr id="2" name="Cím 1">
             <a:extLst>
               <a:ext uri="{FF2B5EF4-FFF2-40B4-BE49-F238E27FC236}">
@@ -14939,9 +15600,17 @@
         </p:nvSpPr>
         <p:spPr>
           <a:xfrm>
-            <a:off x="2231136" y="964692"/>
-            <a:ext cx="7729728" cy="1188720"/>
+            <a:off x="640080" y="2681105"/>
+            <a:ext cx="3401568" cy="1495794"/>
           </a:xfrm>
+          <a:solidFill>
+            <a:srgbClr val="FFFFFF"/>
+          </a:solidFill>
+          <a:ln>
+            <a:solidFill>
+              <a:srgbClr val="262626"/>
+            </a:solidFill>
+          </a:ln>
         </p:spPr>
         <p:txBody>
           <a:bodyPr>
@@ -14956,12 +15625,72 @@
           </a:p>
         </p:txBody>
       </p:sp>
+      <p:sp useBgFill="1">
+        <p:nvSpPr>
+          <p:cNvPr id="16" name="Rectangle 15">
+            <a:extLst>
+              <a:ext uri="{FF2B5EF4-FFF2-40B4-BE49-F238E27FC236}">
+                <a16:creationId xmlns:a16="http://schemas.microsoft.com/office/drawing/2014/main" id="{A804366F-2366-4688-98E7-B101C7BC6146}"/>
+              </a:ext>
+              <a:ext uri="{C183D7F6-B498-43B3-948B-1728B52AA6E4}">
+                <adec:decorative xmlns:adec="http://schemas.microsoft.com/office/drawing/2017/decorative" val="1"/>
+              </a:ext>
+            </a:extLst>
+          </p:cNvPr>
+          <p:cNvSpPr>
+            <a:spLocks noGrp="1" noRot="1" noChangeAspect="1" noMove="1" noResize="1" noEditPoints="1" noAdjustHandles="1" noChangeArrowheads="1" noChangeShapeType="1" noTextEdit="1"/>
+          </p:cNvSpPr>
+          <p:nvPr>
+            <p:extLst>
+              <p:ext uri="{386F3935-93C4-4BCD-93E2-E3B085C9AB24}">
+                <p16:designElem xmlns:p16="http://schemas.microsoft.com/office/powerpoint/2015/main" val="1"/>
+              </p:ext>
+            </p:extLst>
+          </p:nvPr>
+        </p:nvSpPr>
+        <p:spPr>
+          <a:xfrm>
+            <a:off x="4753278" y="0"/>
+            <a:ext cx="7438722" cy="6857999"/>
+          </a:xfrm>
+          <a:prstGeom prst="rect">
+            <a:avLst/>
+          </a:prstGeom>
+          <a:ln>
+            <a:noFill/>
+          </a:ln>
+        </p:spPr>
+        <p:style>
+          <a:lnRef idx="2">
+            <a:schemeClr val="accent1">
+              <a:shade val="50000"/>
+            </a:schemeClr>
+          </a:lnRef>
+          <a:fillRef idx="1">
+            <a:schemeClr val="accent1"/>
+          </a:fillRef>
+          <a:effectRef idx="0">
+            <a:schemeClr val="accent1"/>
+          </a:effectRef>
+          <a:fontRef idx="minor">
+            <a:schemeClr val="lt1"/>
+          </a:fontRef>
+        </p:style>
+        <p:txBody>
+          <a:bodyPr rtlCol="0" anchor="ctr"/>
+          <a:lstStyle/>
+          <a:p>
+            <a:pPr algn="ctr"/>
+            <a:endParaRPr lang="en-US"/>
+          </a:p>
+        </p:txBody>
+      </p:sp>
       <p:graphicFrame>
         <p:nvGraphicFramePr>
-          <p:cNvPr id="6" name="Rectangle 1">
+          <p:cNvPr id="10" name="Rectangle 2">
             <a:extLst>
               <a:ext uri="{FF2B5EF4-FFF2-40B4-BE49-F238E27FC236}">
-                <a16:creationId xmlns:a16="http://schemas.microsoft.com/office/drawing/2014/main" id="{CE9582DE-E182-89FF-8C94-E97F021F8C03}"/>
+                <a16:creationId xmlns:a16="http://schemas.microsoft.com/office/drawing/2014/main" id="{677626E6-0F0B-852F-3650-200EDBD44F52}"/>
               </a:ext>
             </a:extLst>
           </p:cNvPr>
@@ -14972,14 +15701,14 @@
             <p:ph idx="1"/>
             <p:extLst>
               <p:ext uri="{D42A27DB-BD31-4B8C-83A1-F6EECF244321}">
-                <p14:modId xmlns:p14="http://schemas.microsoft.com/office/powerpoint/2010/main" val="4120970456"/>
+                <p14:modId xmlns:p14="http://schemas.microsoft.com/office/powerpoint/2010/main" val="3125694555"/>
               </p:ext>
             </p:extLst>
           </p:nvPr>
         </p:nvGraphicFramePr>
         <p:xfrm>
-          <a:off x="965200" y="2638425"/>
-          <a:ext cx="10261600" cy="3107748"/>
+          <a:off x="5397500" y="639763"/>
+          <a:ext cx="6151563" cy="5276850"/>
         </p:xfrm>
         <a:graphic>
           <a:graphicData uri="http://schemas.openxmlformats.org/drawingml/2006/diagram">
@@ -15009,6 +15738,97 @@
       </p:transition>
     </mc:Fallback>
   </mc:AlternateContent>
+  <p:timing>
+    <p:tnLst>
+      <p:par>
+        <p:cTn id="1" dur="indefinite" restart="never" nodeType="tmRoot">
+          <p:childTnLst>
+            <p:seq concurrent="1" nextAc="seek">
+              <p:cTn id="2" dur="indefinite" nodeType="mainSeq">
+                <p:childTnLst>
+                  <p:par>
+                    <p:cTn id="3" fill="hold">
+                      <p:stCondLst>
+                        <p:cond delay="indefinite"/>
+                        <p:cond evt="onBegin" delay="0">
+                          <p:tn val="2"/>
+                        </p:cond>
+                      </p:stCondLst>
+                      <p:childTnLst>
+                        <p:par>
+                          <p:cTn id="4" fill="hold">
+                            <p:stCondLst>
+                              <p:cond delay="0"/>
+                            </p:stCondLst>
+                            <p:childTnLst>
+                              <p:par>
+                                <p:cTn id="5" presetID="10" presetClass="entr" presetSubtype="0" fill="hold" grpId="0" nodeType="withEffect">
+                                  <p:stCondLst>
+                                    <p:cond delay="0"/>
+                                  </p:stCondLst>
+                                  <p:childTnLst>
+                                    <p:set>
+                                      <p:cBhvr>
+                                        <p:cTn id="6" dur="1" fill="hold">
+                                          <p:stCondLst>
+                                            <p:cond delay="0"/>
+                                          </p:stCondLst>
+                                        </p:cTn>
+                                        <p:tgtEl>
+                                          <p:spTgt spid="10"/>
+                                        </p:tgtEl>
+                                        <p:attrNameLst>
+                                          <p:attrName>style.visibility</p:attrName>
+                                        </p:attrNameLst>
+                                      </p:cBhvr>
+                                      <p:to>
+                                        <p:strVal val="visible"/>
+                                      </p:to>
+                                    </p:set>
+                                    <p:animEffect transition="in" filter="fade">
+                                      <p:cBhvr>
+                                        <p:cTn id="7" dur="500"/>
+                                        <p:tgtEl>
+                                          <p:spTgt spid="10"/>
+                                        </p:tgtEl>
+                                      </p:cBhvr>
+                                    </p:animEffect>
+                                  </p:childTnLst>
+                                </p:cTn>
+                              </p:par>
+                            </p:childTnLst>
+                          </p:cTn>
+                        </p:par>
+                      </p:childTnLst>
+                    </p:cTn>
+                  </p:par>
+                </p:childTnLst>
+              </p:cTn>
+              <p:prevCondLst>
+                <p:cond evt="onPrev" delay="0">
+                  <p:tgtEl>
+                    <p:sldTgt/>
+                  </p:tgtEl>
+                </p:cond>
+              </p:prevCondLst>
+              <p:nextCondLst>
+                <p:cond evt="onNext" delay="0">
+                  <p:tgtEl>
+                    <p:sldTgt/>
+                  </p:tgtEl>
+                </p:cond>
+              </p:nextCondLst>
+            </p:seq>
+          </p:childTnLst>
+        </p:cTn>
+      </p:par>
+    </p:tnLst>
+    <p:bldLst>
+      <p:bldGraphic spid="10" grpId="0">
+        <p:bldAsOne/>
+      </p:bldGraphic>
+    </p:bldLst>
+  </p:timing>
 </p:sld>
 </file>
 
@@ -15267,7 +16087,7 @@
           <a:lstStyle/>
           <a:p>
             <a:r>
-              <a:rPr lang="hu-HU" sz="2100">
+              <a:rPr lang="hu-HU" sz="3000" dirty="0">
                 <a:solidFill>
                   <a:srgbClr val="FFFFFF"/>
                 </a:solidFill>
@@ -15578,6 +16398,318 @@
       </p:transition>
     </mc:Fallback>
   </mc:AlternateContent>
+  <p:timing>
+    <p:tnLst>
+      <p:par>
+        <p:cTn id="1" dur="indefinite" restart="never" nodeType="tmRoot">
+          <p:childTnLst>
+            <p:seq concurrent="1" nextAc="seek">
+              <p:cTn id="2" dur="indefinite" nodeType="mainSeq">
+                <p:childTnLst>
+                  <p:par>
+                    <p:cTn id="3" fill="hold">
+                      <p:stCondLst>
+                        <p:cond delay="indefinite"/>
+                        <p:cond evt="onBegin" delay="0">
+                          <p:tn val="2"/>
+                        </p:cond>
+                      </p:stCondLst>
+                      <p:childTnLst>
+                        <p:par>
+                          <p:cTn id="4" fill="hold">
+                            <p:stCondLst>
+                              <p:cond delay="0"/>
+                            </p:stCondLst>
+                            <p:childTnLst>
+                              <p:par>
+                                <p:cTn id="5" presetID="10" presetClass="entr" presetSubtype="0" fill="hold" grpId="0" nodeType="withEffect">
+                                  <p:stCondLst>
+                                    <p:cond delay="0"/>
+                                  </p:stCondLst>
+                                  <p:childTnLst>
+                                    <p:set>
+                                      <p:cBhvr>
+                                        <p:cTn id="6" dur="1" fill="hold">
+                                          <p:stCondLst>
+                                            <p:cond delay="0"/>
+                                          </p:stCondLst>
+                                        </p:cTn>
+                                        <p:tgtEl>
+                                          <p:spTgt spid="4">
+                                            <p:txEl>
+                                              <p:pRg st="0" end="0"/>
+                                            </p:txEl>
+                                          </p:spTgt>
+                                        </p:tgtEl>
+                                        <p:attrNameLst>
+                                          <p:attrName>style.visibility</p:attrName>
+                                        </p:attrNameLst>
+                                      </p:cBhvr>
+                                      <p:to>
+                                        <p:strVal val="visible"/>
+                                      </p:to>
+                                    </p:set>
+                                    <p:animEffect transition="in" filter="fade">
+                                      <p:cBhvr>
+                                        <p:cTn id="7" dur="500"/>
+                                        <p:tgtEl>
+                                          <p:spTgt spid="4">
+                                            <p:txEl>
+                                              <p:pRg st="0" end="0"/>
+                                            </p:txEl>
+                                          </p:spTgt>
+                                        </p:tgtEl>
+                                      </p:cBhvr>
+                                    </p:animEffect>
+                                  </p:childTnLst>
+                                </p:cTn>
+                              </p:par>
+                              <p:par>
+                                <p:cTn id="8" presetID="10" presetClass="entr" presetSubtype="0" fill="hold" grpId="0" nodeType="withEffect">
+                                  <p:stCondLst>
+                                    <p:cond delay="0"/>
+                                  </p:stCondLst>
+                                  <p:childTnLst>
+                                    <p:set>
+                                      <p:cBhvr>
+                                        <p:cTn id="9" dur="1" fill="hold">
+                                          <p:stCondLst>
+                                            <p:cond delay="0"/>
+                                          </p:stCondLst>
+                                        </p:cTn>
+                                        <p:tgtEl>
+                                          <p:spTgt spid="4">
+                                            <p:txEl>
+                                              <p:pRg st="1" end="1"/>
+                                            </p:txEl>
+                                          </p:spTgt>
+                                        </p:tgtEl>
+                                        <p:attrNameLst>
+                                          <p:attrName>style.visibility</p:attrName>
+                                        </p:attrNameLst>
+                                      </p:cBhvr>
+                                      <p:to>
+                                        <p:strVal val="visible"/>
+                                      </p:to>
+                                    </p:set>
+                                    <p:animEffect transition="in" filter="fade">
+                                      <p:cBhvr>
+                                        <p:cTn id="10" dur="500"/>
+                                        <p:tgtEl>
+                                          <p:spTgt spid="4">
+                                            <p:txEl>
+                                              <p:pRg st="1" end="1"/>
+                                            </p:txEl>
+                                          </p:spTgt>
+                                        </p:tgtEl>
+                                      </p:cBhvr>
+                                    </p:animEffect>
+                                  </p:childTnLst>
+                                </p:cTn>
+                              </p:par>
+                              <p:par>
+                                <p:cTn id="11" presetID="10" presetClass="entr" presetSubtype="0" fill="hold" grpId="0" nodeType="withEffect">
+                                  <p:stCondLst>
+                                    <p:cond delay="0"/>
+                                  </p:stCondLst>
+                                  <p:childTnLst>
+                                    <p:set>
+                                      <p:cBhvr>
+                                        <p:cTn id="12" dur="1" fill="hold">
+                                          <p:stCondLst>
+                                            <p:cond delay="0"/>
+                                          </p:stCondLst>
+                                        </p:cTn>
+                                        <p:tgtEl>
+                                          <p:spTgt spid="4">
+                                            <p:txEl>
+                                              <p:pRg st="2" end="2"/>
+                                            </p:txEl>
+                                          </p:spTgt>
+                                        </p:tgtEl>
+                                        <p:attrNameLst>
+                                          <p:attrName>style.visibility</p:attrName>
+                                        </p:attrNameLst>
+                                      </p:cBhvr>
+                                      <p:to>
+                                        <p:strVal val="visible"/>
+                                      </p:to>
+                                    </p:set>
+                                    <p:animEffect transition="in" filter="fade">
+                                      <p:cBhvr>
+                                        <p:cTn id="13" dur="500"/>
+                                        <p:tgtEl>
+                                          <p:spTgt spid="4">
+                                            <p:txEl>
+                                              <p:pRg st="2" end="2"/>
+                                            </p:txEl>
+                                          </p:spTgt>
+                                        </p:tgtEl>
+                                      </p:cBhvr>
+                                    </p:animEffect>
+                                  </p:childTnLst>
+                                </p:cTn>
+                              </p:par>
+                              <p:par>
+                                <p:cTn id="14" presetID="10" presetClass="entr" presetSubtype="0" fill="hold" grpId="0" nodeType="withEffect">
+                                  <p:stCondLst>
+                                    <p:cond delay="0"/>
+                                  </p:stCondLst>
+                                  <p:childTnLst>
+                                    <p:set>
+                                      <p:cBhvr>
+                                        <p:cTn id="15" dur="1" fill="hold">
+                                          <p:stCondLst>
+                                            <p:cond delay="0"/>
+                                          </p:stCondLst>
+                                        </p:cTn>
+                                        <p:tgtEl>
+                                          <p:spTgt spid="4">
+                                            <p:txEl>
+                                              <p:pRg st="3" end="3"/>
+                                            </p:txEl>
+                                          </p:spTgt>
+                                        </p:tgtEl>
+                                        <p:attrNameLst>
+                                          <p:attrName>style.visibility</p:attrName>
+                                        </p:attrNameLst>
+                                      </p:cBhvr>
+                                      <p:to>
+                                        <p:strVal val="visible"/>
+                                      </p:to>
+                                    </p:set>
+                                    <p:animEffect transition="in" filter="fade">
+                                      <p:cBhvr>
+                                        <p:cTn id="16" dur="500"/>
+                                        <p:tgtEl>
+                                          <p:spTgt spid="4">
+                                            <p:txEl>
+                                              <p:pRg st="3" end="3"/>
+                                            </p:txEl>
+                                          </p:spTgt>
+                                        </p:tgtEl>
+                                      </p:cBhvr>
+                                    </p:animEffect>
+                                  </p:childTnLst>
+                                </p:cTn>
+                              </p:par>
+                              <p:par>
+                                <p:cTn id="17" presetID="10" presetClass="entr" presetSubtype="0" fill="hold" grpId="0" nodeType="withEffect">
+                                  <p:stCondLst>
+                                    <p:cond delay="0"/>
+                                  </p:stCondLst>
+                                  <p:childTnLst>
+                                    <p:set>
+                                      <p:cBhvr>
+                                        <p:cTn id="18" dur="1" fill="hold">
+                                          <p:stCondLst>
+                                            <p:cond delay="0"/>
+                                          </p:stCondLst>
+                                        </p:cTn>
+                                        <p:tgtEl>
+                                          <p:spTgt spid="4">
+                                            <p:txEl>
+                                              <p:pRg st="4" end="4"/>
+                                            </p:txEl>
+                                          </p:spTgt>
+                                        </p:tgtEl>
+                                        <p:attrNameLst>
+                                          <p:attrName>style.visibility</p:attrName>
+                                        </p:attrNameLst>
+                                      </p:cBhvr>
+                                      <p:to>
+                                        <p:strVal val="visible"/>
+                                      </p:to>
+                                    </p:set>
+                                    <p:animEffect transition="in" filter="fade">
+                                      <p:cBhvr>
+                                        <p:cTn id="19" dur="500"/>
+                                        <p:tgtEl>
+                                          <p:spTgt spid="4">
+                                            <p:txEl>
+                                              <p:pRg st="4" end="4"/>
+                                            </p:txEl>
+                                          </p:spTgt>
+                                        </p:tgtEl>
+                                      </p:cBhvr>
+                                    </p:animEffect>
+                                  </p:childTnLst>
+                                </p:cTn>
+                              </p:par>
+                              <p:par>
+                                <p:cTn id="20" presetID="10" presetClass="entr" presetSubtype="0" fill="hold" grpId="0" nodeType="withEffect">
+                                  <p:stCondLst>
+                                    <p:cond delay="0"/>
+                                  </p:stCondLst>
+                                  <p:childTnLst>
+                                    <p:set>
+                                      <p:cBhvr>
+                                        <p:cTn id="21" dur="1" fill="hold">
+                                          <p:stCondLst>
+                                            <p:cond delay="0"/>
+                                          </p:stCondLst>
+                                        </p:cTn>
+                                        <p:tgtEl>
+                                          <p:spTgt spid="4">
+                                            <p:txEl>
+                                              <p:pRg st="5" end="5"/>
+                                            </p:txEl>
+                                          </p:spTgt>
+                                        </p:tgtEl>
+                                        <p:attrNameLst>
+                                          <p:attrName>style.visibility</p:attrName>
+                                        </p:attrNameLst>
+                                      </p:cBhvr>
+                                      <p:to>
+                                        <p:strVal val="visible"/>
+                                      </p:to>
+                                    </p:set>
+                                    <p:animEffect transition="in" filter="fade">
+                                      <p:cBhvr>
+                                        <p:cTn id="22" dur="500"/>
+                                        <p:tgtEl>
+                                          <p:spTgt spid="4">
+                                            <p:txEl>
+                                              <p:pRg st="5" end="5"/>
+                                            </p:txEl>
+                                          </p:spTgt>
+                                        </p:tgtEl>
+                                      </p:cBhvr>
+                                    </p:animEffect>
+                                  </p:childTnLst>
+                                </p:cTn>
+                              </p:par>
+                            </p:childTnLst>
+                          </p:cTn>
+                        </p:par>
+                      </p:childTnLst>
+                    </p:cTn>
+                  </p:par>
+                </p:childTnLst>
+              </p:cTn>
+              <p:prevCondLst>
+                <p:cond evt="onPrev" delay="0">
+                  <p:tgtEl>
+                    <p:sldTgt/>
+                  </p:tgtEl>
+                </p:cond>
+              </p:prevCondLst>
+              <p:nextCondLst>
+                <p:cond evt="onNext" delay="0">
+                  <p:tgtEl>
+                    <p:sldTgt/>
+                  </p:tgtEl>
+                </p:cond>
+              </p:nextCondLst>
+            </p:seq>
+          </p:childTnLst>
+        </p:cTn>
+      </p:par>
+    </p:tnLst>
+    <p:bldLst>
+      <p:bldP spid="4" grpId="0" build="p"/>
+    </p:bldLst>
+  </p:timing>
 </p:sld>
 </file>
 
@@ -15696,6 +16828,97 @@
       </p:transition>
     </mc:Fallback>
   </mc:AlternateContent>
+  <p:timing>
+    <p:tnLst>
+      <p:par>
+        <p:cTn id="1" dur="indefinite" restart="never" nodeType="tmRoot">
+          <p:childTnLst>
+            <p:seq concurrent="1" nextAc="seek">
+              <p:cTn id="2" dur="indefinite" nodeType="mainSeq">
+                <p:childTnLst>
+                  <p:par>
+                    <p:cTn id="3" fill="hold">
+                      <p:stCondLst>
+                        <p:cond delay="indefinite"/>
+                        <p:cond evt="onBegin" delay="0">
+                          <p:tn val="2"/>
+                        </p:cond>
+                      </p:stCondLst>
+                      <p:childTnLst>
+                        <p:par>
+                          <p:cTn id="4" fill="hold">
+                            <p:stCondLst>
+                              <p:cond delay="0"/>
+                            </p:stCondLst>
+                            <p:childTnLst>
+                              <p:par>
+                                <p:cTn id="5" presetID="10" presetClass="entr" presetSubtype="0" fill="hold" grpId="0" nodeType="withEffect">
+                                  <p:stCondLst>
+                                    <p:cond delay="0"/>
+                                  </p:stCondLst>
+                                  <p:childTnLst>
+                                    <p:set>
+                                      <p:cBhvr>
+                                        <p:cTn id="6" dur="1" fill="hold">
+                                          <p:stCondLst>
+                                            <p:cond delay="0"/>
+                                          </p:stCondLst>
+                                        </p:cTn>
+                                        <p:tgtEl>
+                                          <p:spTgt spid="6"/>
+                                        </p:tgtEl>
+                                        <p:attrNameLst>
+                                          <p:attrName>style.visibility</p:attrName>
+                                        </p:attrNameLst>
+                                      </p:cBhvr>
+                                      <p:to>
+                                        <p:strVal val="visible"/>
+                                      </p:to>
+                                    </p:set>
+                                    <p:animEffect transition="in" filter="fade">
+                                      <p:cBhvr>
+                                        <p:cTn id="7" dur="500"/>
+                                        <p:tgtEl>
+                                          <p:spTgt spid="6"/>
+                                        </p:tgtEl>
+                                      </p:cBhvr>
+                                    </p:animEffect>
+                                  </p:childTnLst>
+                                </p:cTn>
+                              </p:par>
+                            </p:childTnLst>
+                          </p:cTn>
+                        </p:par>
+                      </p:childTnLst>
+                    </p:cTn>
+                  </p:par>
+                </p:childTnLst>
+              </p:cTn>
+              <p:prevCondLst>
+                <p:cond evt="onPrev" delay="0">
+                  <p:tgtEl>
+                    <p:sldTgt/>
+                  </p:tgtEl>
+                </p:cond>
+              </p:prevCondLst>
+              <p:nextCondLst>
+                <p:cond evt="onNext" delay="0">
+                  <p:tgtEl>
+                    <p:sldTgt/>
+                  </p:tgtEl>
+                </p:cond>
+              </p:nextCondLst>
+            </p:seq>
+          </p:childTnLst>
+        </p:cTn>
+      </p:par>
+    </p:tnLst>
+    <p:bldLst>
+      <p:bldGraphic spid="6" grpId="0">
+        <p:bldAsOne/>
+      </p:bldGraphic>
+    </p:bldLst>
+  </p:timing>
 </p:sld>
 </file>
 
@@ -15949,6 +17172,95 @@
       </p:transition>
     </mc:Fallback>
   </mc:AlternateContent>
+  <p:timing>
+    <p:tnLst>
+      <p:par>
+        <p:cTn id="1" dur="indefinite" restart="never" nodeType="tmRoot">
+          <p:childTnLst>
+            <p:seq concurrent="1" nextAc="seek">
+              <p:cTn id="2" dur="indefinite" nodeType="mainSeq">
+                <p:childTnLst>
+                  <p:par>
+                    <p:cTn id="3" fill="hold">
+                      <p:stCondLst>
+                        <p:cond delay="indefinite"/>
+                        <p:cond evt="onBegin" delay="0">
+                          <p:tn val="2"/>
+                        </p:cond>
+                      </p:stCondLst>
+                      <p:childTnLst>
+                        <p:par>
+                          <p:cTn id="4" fill="hold">
+                            <p:stCondLst>
+                              <p:cond delay="0"/>
+                            </p:stCondLst>
+                            <p:childTnLst>
+                              <p:par>
+                                <p:cTn id="5" presetID="10" presetClass="entr" presetSubtype="0" fill="hold" grpId="0" nodeType="withEffect">
+                                  <p:stCondLst>
+                                    <p:cond delay="0"/>
+                                  </p:stCondLst>
+                                  <p:childTnLst>
+                                    <p:set>
+                                      <p:cBhvr>
+                                        <p:cTn id="6" dur="1" fill="hold">
+                                          <p:stCondLst>
+                                            <p:cond delay="0"/>
+                                          </p:stCondLst>
+                                        </p:cTn>
+                                        <p:tgtEl>
+                                          <p:spTgt spid="2"/>
+                                        </p:tgtEl>
+                                        <p:attrNameLst>
+                                          <p:attrName>style.visibility</p:attrName>
+                                        </p:attrNameLst>
+                                      </p:cBhvr>
+                                      <p:to>
+                                        <p:strVal val="visible"/>
+                                      </p:to>
+                                    </p:set>
+                                    <p:animEffect transition="in" filter="fade">
+                                      <p:cBhvr>
+                                        <p:cTn id="7" dur="500"/>
+                                        <p:tgtEl>
+                                          <p:spTgt spid="2"/>
+                                        </p:tgtEl>
+                                      </p:cBhvr>
+                                    </p:animEffect>
+                                  </p:childTnLst>
+                                </p:cTn>
+                              </p:par>
+                            </p:childTnLst>
+                          </p:cTn>
+                        </p:par>
+                      </p:childTnLst>
+                    </p:cTn>
+                  </p:par>
+                </p:childTnLst>
+              </p:cTn>
+              <p:prevCondLst>
+                <p:cond evt="onPrev" delay="0">
+                  <p:tgtEl>
+                    <p:sldTgt/>
+                  </p:tgtEl>
+                </p:cond>
+              </p:prevCondLst>
+              <p:nextCondLst>
+                <p:cond evt="onNext" delay="0">
+                  <p:tgtEl>
+                    <p:sldTgt/>
+                  </p:tgtEl>
+                </p:cond>
+              </p:nextCondLst>
+            </p:seq>
+          </p:childTnLst>
+        </p:cTn>
+      </p:par>
+    </p:tnLst>
+    <p:bldLst>
+      <p:bldP spid="2" grpId="0"/>
+    </p:bldLst>
+  </p:timing>
 </p:sld>
 </file>
 
